--- a/Kelas 9/Bab 1.1 - Browser.pptx
+++ b/Kelas 9/Bab 1.1 - Browser.pptx
@@ -6,12 +6,19 @@
   </p:sldMasterIdLst>
   <p:sldIdLst>
     <p:sldId id="256" r:id="rId2"/>
-    <p:sldId id="257" r:id="rId3"/>
-    <p:sldId id="259" r:id="rId4"/>
-    <p:sldId id="258" r:id="rId5"/>
-    <p:sldId id="260" r:id="rId6"/>
-    <p:sldId id="262" r:id="rId7"/>
-    <p:sldId id="261" r:id="rId8"/>
+    <p:sldId id="263" r:id="rId3"/>
+    <p:sldId id="257" r:id="rId4"/>
+    <p:sldId id="259" r:id="rId5"/>
+    <p:sldId id="264" r:id="rId6"/>
+    <p:sldId id="265" r:id="rId7"/>
+    <p:sldId id="258" r:id="rId8"/>
+    <p:sldId id="262" r:id="rId9"/>
+    <p:sldId id="260" r:id="rId10"/>
+    <p:sldId id="266" r:id="rId11"/>
+    <p:sldId id="261" r:id="rId12"/>
+    <p:sldId id="267" r:id="rId13"/>
+    <p:sldId id="268" r:id="rId14"/>
+    <p:sldId id="269" r:id="rId15"/>
   </p:sldIdLst>
   <p:sldSz cx="9144000" cy="6858000" type="screen4x3"/>
   <p:notesSz cx="6858000" cy="9144000"/>
@@ -295,7 +302,7 @@
             <a:fld id="{1D8BD707-D9CF-40AE-B4C6-C98DA3205C09}" type="datetimeFigureOut">
               <a:rPr lang="en-US" smtClean="0"/>
               <a:pPr/>
-              <a:t>7/22/2023</a:t>
+              <a:t>7/24/2023</a:t>
             </a:fld>
             <a:endParaRPr lang="en-US"/>
           </a:p>
@@ -462,7 +469,7 @@
             <a:fld id="{1D8BD707-D9CF-40AE-B4C6-C98DA3205C09}" type="datetimeFigureOut">
               <a:rPr lang="en-US" smtClean="0"/>
               <a:pPr/>
-              <a:t>7/22/2023</a:t>
+              <a:t>7/24/2023</a:t>
             </a:fld>
             <a:endParaRPr lang="en-US"/>
           </a:p>
@@ -639,7 +646,7 @@
             <a:fld id="{1D8BD707-D9CF-40AE-B4C6-C98DA3205C09}" type="datetimeFigureOut">
               <a:rPr lang="en-US" smtClean="0"/>
               <a:pPr/>
-              <a:t>7/22/2023</a:t>
+              <a:t>7/24/2023</a:t>
             </a:fld>
             <a:endParaRPr lang="en-US"/>
           </a:p>
@@ -806,7 +813,7 @@
             <a:fld id="{1D8BD707-D9CF-40AE-B4C6-C98DA3205C09}" type="datetimeFigureOut">
               <a:rPr lang="en-US" smtClean="0"/>
               <a:pPr/>
-              <a:t>7/22/2023</a:t>
+              <a:t>7/24/2023</a:t>
             </a:fld>
             <a:endParaRPr lang="en-US"/>
           </a:p>
@@ -1049,7 +1056,7 @@
             <a:fld id="{1D8BD707-D9CF-40AE-B4C6-C98DA3205C09}" type="datetimeFigureOut">
               <a:rPr lang="en-US" smtClean="0"/>
               <a:pPr/>
-              <a:t>7/22/2023</a:t>
+              <a:t>7/24/2023</a:t>
             </a:fld>
             <a:endParaRPr lang="en-US"/>
           </a:p>
@@ -1334,7 +1341,7 @@
             <a:fld id="{1D8BD707-D9CF-40AE-B4C6-C98DA3205C09}" type="datetimeFigureOut">
               <a:rPr lang="en-US" smtClean="0"/>
               <a:pPr/>
-              <a:t>7/22/2023</a:t>
+              <a:t>7/24/2023</a:t>
             </a:fld>
             <a:endParaRPr lang="en-US"/>
           </a:p>
@@ -1753,7 +1760,7 @@
             <a:fld id="{1D8BD707-D9CF-40AE-B4C6-C98DA3205C09}" type="datetimeFigureOut">
               <a:rPr lang="en-US" smtClean="0"/>
               <a:pPr/>
-              <a:t>7/22/2023</a:t>
+              <a:t>7/24/2023</a:t>
             </a:fld>
             <a:endParaRPr lang="en-US"/>
           </a:p>
@@ -1868,7 +1875,7 @@
             <a:fld id="{1D8BD707-D9CF-40AE-B4C6-C98DA3205C09}" type="datetimeFigureOut">
               <a:rPr lang="en-US" smtClean="0"/>
               <a:pPr/>
-              <a:t>7/22/2023</a:t>
+              <a:t>7/24/2023</a:t>
             </a:fld>
             <a:endParaRPr lang="en-US"/>
           </a:p>
@@ -1960,7 +1967,7 @@
             <a:fld id="{1D8BD707-D9CF-40AE-B4C6-C98DA3205C09}" type="datetimeFigureOut">
               <a:rPr lang="en-US" smtClean="0"/>
               <a:pPr/>
-              <a:t>7/22/2023</a:t>
+              <a:t>7/24/2023</a:t>
             </a:fld>
             <a:endParaRPr lang="en-US"/>
           </a:p>
@@ -2234,7 +2241,7 @@
             <a:fld id="{1D8BD707-D9CF-40AE-B4C6-C98DA3205C09}" type="datetimeFigureOut">
               <a:rPr lang="en-US" smtClean="0"/>
               <a:pPr/>
-              <a:t>7/22/2023</a:t>
+              <a:t>7/24/2023</a:t>
             </a:fld>
             <a:endParaRPr lang="en-US"/>
           </a:p>
@@ -2484,7 +2491,7 @@
             <a:fld id="{1D8BD707-D9CF-40AE-B4C6-C98DA3205C09}" type="datetimeFigureOut">
               <a:rPr lang="en-US" smtClean="0"/>
               <a:pPr/>
-              <a:t>7/22/2023</a:t>
+              <a:t>7/24/2023</a:t>
             </a:fld>
             <a:endParaRPr lang="en-US"/>
           </a:p>
@@ -2704,7 +2711,7 @@
             <a:fld id="{1D8BD707-D9CF-40AE-B4C6-C98DA3205C09}" type="datetimeFigureOut">
               <a:rPr lang="en-US" smtClean="0"/>
               <a:pPr/>
-              <a:t>7/22/2023</a:t>
+              <a:t>7/24/2023</a:t>
             </a:fld>
             <a:endParaRPr lang="en-US"/>
           </a:p>
@@ -3450,6 +3457,1883 @@
   <p:clrMapOvr>
     <a:masterClrMapping/>
   </p:clrMapOvr>
+  <p:timing>
+    <p:tnLst>
+      <p:par>
+        <p:cTn id="1" dur="indefinite" restart="never" nodeType="tmRoot"/>
+      </p:par>
+    </p:tnLst>
+  </p:timing>
+</p:sld>
+</file>
+
+<file path=ppt/slides/slide10.xml><?xml version="1.0" encoding="utf-8"?>
+<p:sld xmlns:a="http://schemas.openxmlformats.org/drawingml/2006/main" xmlns:r="http://schemas.openxmlformats.org/officeDocument/2006/relationships" xmlns:p="http://schemas.openxmlformats.org/presentationml/2006/main">
+  <p:cSld>
+    <p:spTree>
+      <p:nvGrpSpPr>
+        <p:cNvPr id="1" name=""/>
+        <p:cNvGrpSpPr/>
+        <p:nvPr/>
+      </p:nvGrpSpPr>
+      <p:grpSpPr>
+        <a:xfrm>
+          <a:off x="0" y="0"/>
+          <a:ext cx="0" cy="0"/>
+          <a:chOff x="0" y="0"/>
+          <a:chExt cx="0" cy="0"/>
+        </a:xfrm>
+      </p:grpSpPr>
+      <p:sp>
+        <p:nvSpPr>
+          <p:cNvPr id="2" name="Title 1"/>
+          <p:cNvSpPr>
+            <a:spLocks noGrp="1"/>
+          </p:cNvSpPr>
+          <p:nvPr>
+            <p:ph type="title"/>
+          </p:nvPr>
+        </p:nvSpPr>
+        <p:spPr/>
+        <p:txBody>
+          <a:bodyPr/>
+          <a:lstStyle/>
+          <a:p>
+            <a:r>
+              <a:rPr lang="en-ID" dirty="0" err="1" smtClean="0"/>
+              <a:t>Tombol</a:t>
+            </a:r>
+            <a:r>
+              <a:rPr lang="en-ID" dirty="0" smtClean="0"/>
+              <a:t> </a:t>
+            </a:r>
+            <a:r>
+              <a:rPr lang="en-ID" dirty="0" err="1" smtClean="0"/>
+              <a:t>Pada</a:t>
+            </a:r>
+            <a:r>
+              <a:rPr lang="en-ID" dirty="0" smtClean="0"/>
+              <a:t> Browser</a:t>
+            </a:r>
+            <a:endParaRPr lang="en-US" dirty="0"/>
+          </a:p>
+        </p:txBody>
+      </p:sp>
+      <p:sp>
+        <p:nvSpPr>
+          <p:cNvPr id="4" name="TextBox 3"/>
+          <p:cNvSpPr txBox="1"/>
+          <p:nvPr/>
+        </p:nvSpPr>
+        <p:spPr>
+          <a:xfrm>
+            <a:off x="533400" y="3960674"/>
+            <a:ext cx="8185446" cy="1754326"/>
+          </a:xfrm>
+          <a:prstGeom prst="rect">
+            <a:avLst/>
+          </a:prstGeom>
+          <a:noFill/>
+        </p:spPr>
+        <p:txBody>
+          <a:bodyPr wrap="none" rtlCol="0">
+            <a:spAutoFit/>
+          </a:bodyPr>
+          <a:lstStyle/>
+          <a:p>
+            <a:pPr lvl="0"/>
+            <a:r>
+              <a:rPr lang="en-US" dirty="0" smtClean="0"/>
+              <a:t>1.    </a:t>
+            </a:r>
+            <a:r>
+              <a:rPr lang="en-US" dirty="0" smtClean="0"/>
+              <a:t>Back</a:t>
+            </a:r>
+            <a:r>
+              <a:rPr lang="en-US" dirty="0" smtClean="0"/>
+              <a:t> </a:t>
+            </a:r>
+            <a:r>
+              <a:rPr lang="en-US" dirty="0" smtClean="0"/>
+              <a:t>		: </a:t>
+            </a:r>
+            <a:r>
+              <a:rPr lang="en-US" dirty="0" err="1" smtClean="0"/>
+              <a:t>Untuk</a:t>
+            </a:r>
+            <a:r>
+              <a:rPr lang="en-US" dirty="0" smtClean="0"/>
+              <a:t> </a:t>
+            </a:r>
+            <a:r>
+              <a:rPr lang="en-US" dirty="0" err="1" smtClean="0"/>
+              <a:t>kembali</a:t>
+            </a:r>
+            <a:r>
+              <a:rPr lang="en-US" dirty="0" smtClean="0"/>
+              <a:t> </a:t>
+            </a:r>
+            <a:r>
+              <a:rPr lang="en-US" dirty="0" err="1" smtClean="0"/>
+              <a:t>ke</a:t>
+            </a:r>
+            <a:r>
+              <a:rPr lang="en-US" dirty="0" smtClean="0"/>
+              <a:t> </a:t>
+            </a:r>
+            <a:r>
+              <a:rPr lang="en-US" dirty="0" err="1" smtClean="0"/>
+              <a:t>halaman</a:t>
+            </a:r>
+            <a:r>
+              <a:rPr lang="en-US" dirty="0" smtClean="0"/>
+              <a:t> </a:t>
+            </a:r>
+            <a:r>
+              <a:rPr lang="en-US" dirty="0" err="1" smtClean="0"/>
+              <a:t>sebelumnya</a:t>
+            </a:r>
+            <a:r>
+              <a:rPr lang="en-US" dirty="0" smtClean="0"/>
+              <a:t>.</a:t>
+            </a:r>
+          </a:p>
+          <a:p>
+            <a:pPr lvl="0"/>
+            <a:r>
+              <a:rPr lang="en-US" dirty="0" smtClean="0"/>
+              <a:t>2.    Forward	: </a:t>
+            </a:r>
+            <a:r>
+              <a:rPr lang="en-US" dirty="0" err="1" smtClean="0"/>
+              <a:t>Untuk</a:t>
+            </a:r>
+            <a:r>
+              <a:rPr lang="en-US" dirty="0" smtClean="0"/>
+              <a:t> </a:t>
+            </a:r>
+            <a:r>
+              <a:rPr lang="en-US" dirty="0" err="1" smtClean="0"/>
+              <a:t>membatalkan</a:t>
+            </a:r>
+            <a:r>
+              <a:rPr lang="en-US" dirty="0" smtClean="0"/>
+              <a:t> </a:t>
+            </a:r>
+            <a:r>
+              <a:rPr lang="en-US" dirty="0" err="1" smtClean="0"/>
+              <a:t>pembatalan</a:t>
+            </a:r>
+            <a:r>
+              <a:rPr lang="en-US" dirty="0" smtClean="0"/>
+              <a:t> </a:t>
+            </a:r>
+            <a:r>
+              <a:rPr lang="en-US" dirty="0" err="1" smtClean="0"/>
+              <a:t>perintah</a:t>
+            </a:r>
+            <a:r>
+              <a:rPr lang="en-US" dirty="0" smtClean="0"/>
+              <a:t> </a:t>
+            </a:r>
+            <a:r>
+              <a:rPr lang="en-US" dirty="0" err="1" smtClean="0"/>
+              <a:t>halaman</a:t>
+            </a:r>
+            <a:r>
+              <a:rPr lang="en-US" dirty="0" smtClean="0"/>
+              <a:t> </a:t>
+            </a:r>
+            <a:r>
+              <a:rPr lang="en-US" dirty="0" err="1" smtClean="0"/>
+              <a:t>sebelumnya</a:t>
+            </a:r>
+            <a:r>
+              <a:rPr lang="en-US" dirty="0" smtClean="0"/>
+              <a:t>.</a:t>
+            </a:r>
+          </a:p>
+          <a:p>
+            <a:pPr lvl="0"/>
+            <a:r>
+              <a:rPr lang="en-US" dirty="0" smtClean="0"/>
+              <a:t>3.    Address  bar  </a:t>
+            </a:r>
+            <a:r>
+              <a:rPr lang="en-US" dirty="0" smtClean="0"/>
+              <a:t>	: </a:t>
+            </a:r>
+            <a:r>
+              <a:rPr lang="en-US" dirty="0" err="1" smtClean="0"/>
+              <a:t>U</a:t>
+            </a:r>
+            <a:r>
+              <a:rPr lang="en-US" dirty="0" err="1" smtClean="0"/>
+              <a:t>ntuk</a:t>
+            </a:r>
+            <a:r>
+              <a:rPr lang="en-US" dirty="0" smtClean="0"/>
+              <a:t> </a:t>
+            </a:r>
+            <a:r>
+              <a:rPr lang="en-US" dirty="0" err="1" smtClean="0"/>
+              <a:t>menuliskan</a:t>
+            </a:r>
+            <a:r>
+              <a:rPr lang="en-US" dirty="0" smtClean="0"/>
+              <a:t> </a:t>
+            </a:r>
+            <a:r>
+              <a:rPr lang="en-US" dirty="0" err="1" smtClean="0"/>
+              <a:t>alamat</a:t>
+            </a:r>
+            <a:r>
+              <a:rPr lang="en-US" dirty="0" smtClean="0"/>
+              <a:t> web site.</a:t>
+            </a:r>
+          </a:p>
+          <a:p>
+            <a:pPr lvl="0"/>
+            <a:r>
+              <a:rPr lang="en-US" dirty="0" smtClean="0"/>
+              <a:t>4.    Close tab        </a:t>
+            </a:r>
+            <a:r>
+              <a:rPr lang="en-US" dirty="0" smtClean="0"/>
+              <a:t>	: </a:t>
+            </a:r>
+            <a:r>
+              <a:rPr lang="en-US" dirty="0" err="1" smtClean="0"/>
+              <a:t>Untuk</a:t>
+            </a:r>
+            <a:r>
+              <a:rPr lang="en-US" dirty="0" smtClean="0"/>
+              <a:t> </a:t>
+            </a:r>
+            <a:r>
+              <a:rPr lang="en-US" dirty="0" err="1" smtClean="0"/>
+              <a:t>menutup</a:t>
+            </a:r>
+            <a:r>
+              <a:rPr lang="en-US" dirty="0" smtClean="0"/>
+              <a:t> </a:t>
+            </a:r>
+            <a:r>
+              <a:rPr lang="en-US" dirty="0" err="1" smtClean="0"/>
+              <a:t>halaman</a:t>
+            </a:r>
+            <a:r>
+              <a:rPr lang="en-US" dirty="0" smtClean="0"/>
+              <a:t>.</a:t>
+            </a:r>
+            <a:endParaRPr lang="en-US" dirty="0" smtClean="0"/>
+          </a:p>
+          <a:p>
+            <a:pPr lvl="0"/>
+            <a:r>
+              <a:rPr lang="en-US" dirty="0" smtClean="0"/>
+              <a:t>5.    New tab         </a:t>
+            </a:r>
+            <a:r>
+              <a:rPr lang="en-US" dirty="0" smtClean="0"/>
+              <a:t>	: </a:t>
+            </a:r>
+            <a:r>
+              <a:rPr lang="en-US" dirty="0" err="1" smtClean="0"/>
+              <a:t>Untuk</a:t>
+            </a:r>
+            <a:r>
+              <a:rPr lang="en-US" dirty="0" smtClean="0"/>
+              <a:t> </a:t>
+            </a:r>
+            <a:r>
+              <a:rPr lang="en-US" dirty="0" err="1" smtClean="0"/>
+              <a:t>menambahkan</a:t>
+            </a:r>
+            <a:r>
+              <a:rPr lang="en-US" dirty="0" smtClean="0"/>
+              <a:t> tab yang </a:t>
+            </a:r>
+            <a:r>
+              <a:rPr lang="en-US" dirty="0" err="1" smtClean="0"/>
+              <a:t>baru</a:t>
+            </a:r>
+            <a:r>
+              <a:rPr lang="en-US" dirty="0" smtClean="0"/>
+              <a:t>.</a:t>
+            </a:r>
+          </a:p>
+          <a:p>
+            <a:pPr lvl="0"/>
+            <a:r>
+              <a:rPr lang="en-US" dirty="0" smtClean="0"/>
+              <a:t>6.    Reload            </a:t>
+            </a:r>
+            <a:r>
+              <a:rPr lang="en-US" dirty="0" smtClean="0"/>
+              <a:t>	: </a:t>
+            </a:r>
+            <a:r>
+              <a:rPr lang="en-US" dirty="0" err="1" smtClean="0"/>
+              <a:t>Untuk</a:t>
+            </a:r>
+            <a:r>
+              <a:rPr lang="en-US" dirty="0" smtClean="0"/>
+              <a:t> </a:t>
+            </a:r>
+            <a:r>
+              <a:rPr lang="en-US" dirty="0" err="1" smtClean="0"/>
+              <a:t>mereload</a:t>
+            </a:r>
+            <a:r>
+              <a:rPr lang="en-US" dirty="0" smtClean="0"/>
+              <a:t>/</a:t>
+            </a:r>
+            <a:r>
+              <a:rPr lang="en-US" dirty="0" err="1" smtClean="0"/>
+              <a:t>membuka</a:t>
+            </a:r>
+            <a:r>
+              <a:rPr lang="en-US" dirty="0" smtClean="0"/>
+              <a:t> </a:t>
+            </a:r>
+            <a:r>
+              <a:rPr lang="en-US" dirty="0" err="1" smtClean="0"/>
+              <a:t>ulang</a:t>
+            </a:r>
+            <a:r>
+              <a:rPr lang="en-US" dirty="0" smtClean="0"/>
+              <a:t> </a:t>
+            </a:r>
+            <a:r>
+              <a:rPr lang="en-US" dirty="0" err="1" smtClean="0"/>
+              <a:t>halaman</a:t>
+            </a:r>
+            <a:r>
+              <a:rPr lang="en-US" dirty="0" smtClean="0"/>
+              <a:t> website yang </a:t>
+            </a:r>
+            <a:r>
+              <a:rPr lang="en-US" dirty="0" err="1" smtClean="0"/>
+              <a:t>aktif</a:t>
+            </a:r>
+            <a:r>
+              <a:rPr lang="en-US" dirty="0" smtClean="0"/>
+              <a:t>.</a:t>
+            </a:r>
+            <a:endParaRPr lang="en-US" dirty="0" smtClean="0"/>
+          </a:p>
+        </p:txBody>
+      </p:sp>
+      <p:grpSp>
+        <p:nvGrpSpPr>
+          <p:cNvPr id="30" name="Group 29"/>
+          <p:cNvGrpSpPr/>
+          <p:nvPr/>
+        </p:nvGrpSpPr>
+        <p:grpSpPr>
+          <a:xfrm>
+            <a:off x="990600" y="1371600"/>
+            <a:ext cx="6705600" cy="2514600"/>
+            <a:chOff x="1066800" y="990600"/>
+            <a:chExt cx="6019800" cy="2133600"/>
+          </a:xfrm>
+        </p:grpSpPr>
+        <p:sp>
+          <p:nvSpPr>
+            <p:cNvPr id="6" name="TextBox 5"/>
+            <p:cNvSpPr txBox="1"/>
+            <p:nvPr/>
+          </p:nvSpPr>
+          <p:spPr>
+            <a:xfrm>
+              <a:off x="1066800" y="2286000"/>
+              <a:ext cx="301686" cy="369332"/>
+            </a:xfrm>
+            <a:prstGeom prst="rect">
+              <a:avLst/>
+            </a:prstGeom>
+            <a:noFill/>
+          </p:spPr>
+          <p:txBody>
+            <a:bodyPr wrap="none" rtlCol="0">
+              <a:spAutoFit/>
+            </a:bodyPr>
+            <a:lstStyle/>
+            <a:p>
+              <a:r>
+                <a:rPr lang="en-ID" dirty="0" smtClean="0">
+                  <a:solidFill>
+                    <a:srgbClr val="FF0000"/>
+                  </a:solidFill>
+                </a:rPr>
+                <a:t>1</a:t>
+              </a:r>
+              <a:endParaRPr lang="en-US" dirty="0">
+                <a:solidFill>
+                  <a:srgbClr val="FF0000"/>
+                </a:solidFill>
+              </a:endParaRPr>
+            </a:p>
+          </p:txBody>
+        </p:sp>
+        <p:grpSp>
+          <p:nvGrpSpPr>
+            <p:cNvPr id="29" name="Group 28"/>
+            <p:cNvGrpSpPr/>
+            <p:nvPr/>
+          </p:nvGrpSpPr>
+          <p:grpSpPr>
+            <a:xfrm>
+              <a:off x="1371600" y="990600"/>
+              <a:ext cx="5715000" cy="2133600"/>
+              <a:chOff x="228600" y="1371600"/>
+              <a:chExt cx="4495800" cy="1588532"/>
+            </a:xfrm>
+          </p:grpSpPr>
+          <p:pic>
+            <p:nvPicPr>
+              <p:cNvPr id="5122" name="Picture 2"/>
+              <p:cNvPicPr>
+                <a:picLocks noChangeAspect="1" noChangeArrowheads="1"/>
+              </p:cNvPicPr>
+              <p:nvPr/>
+            </p:nvPicPr>
+            <p:blipFill>
+              <a:blip r:embed="rId2"/>
+              <a:srcRect r="47664"/>
+              <a:stretch>
+                <a:fillRect/>
+              </a:stretch>
+            </p:blipFill>
+            <p:spPr bwMode="auto">
+              <a:xfrm>
+                <a:off x="457200" y="1752600"/>
+                <a:ext cx="4267200" cy="819150"/>
+              </a:xfrm>
+              <a:prstGeom prst="rect">
+                <a:avLst/>
+              </a:prstGeom>
+              <a:noFill/>
+              <a:ln w="9525">
+                <a:noFill/>
+                <a:miter lim="800000"/>
+                <a:headEnd/>
+                <a:tailEnd/>
+              </a:ln>
+              <a:effectLst/>
+            </p:spPr>
+          </p:pic>
+          <p:sp>
+            <p:nvSpPr>
+              <p:cNvPr id="7" name="TextBox 6"/>
+              <p:cNvSpPr txBox="1"/>
+              <p:nvPr/>
+            </p:nvSpPr>
+            <p:spPr>
+              <a:xfrm>
+                <a:off x="990600" y="2590800"/>
+                <a:ext cx="301686" cy="369332"/>
+              </a:xfrm>
+              <a:prstGeom prst="rect">
+                <a:avLst/>
+              </a:prstGeom>
+              <a:noFill/>
+            </p:spPr>
+            <p:txBody>
+              <a:bodyPr wrap="none" rtlCol="0">
+                <a:spAutoFit/>
+              </a:bodyPr>
+              <a:lstStyle/>
+              <a:p>
+                <a:r>
+                  <a:rPr lang="en-ID" dirty="0" smtClean="0">
+                    <a:solidFill>
+                      <a:srgbClr val="FF0000"/>
+                    </a:solidFill>
+                  </a:rPr>
+                  <a:t>2</a:t>
+                </a:r>
+                <a:endParaRPr lang="en-US" dirty="0">
+                  <a:solidFill>
+                    <a:srgbClr val="FF0000"/>
+                  </a:solidFill>
+                </a:endParaRPr>
+              </a:p>
+            </p:txBody>
+          </p:sp>
+          <p:sp>
+            <p:nvSpPr>
+              <p:cNvPr id="8" name="TextBox 7"/>
+              <p:cNvSpPr txBox="1"/>
+              <p:nvPr/>
+            </p:nvSpPr>
+            <p:spPr>
+              <a:xfrm>
+                <a:off x="2590800" y="2286000"/>
+                <a:ext cx="301686" cy="369332"/>
+              </a:xfrm>
+              <a:prstGeom prst="rect">
+                <a:avLst/>
+              </a:prstGeom>
+              <a:noFill/>
+            </p:spPr>
+            <p:txBody>
+              <a:bodyPr wrap="none" rtlCol="0">
+                <a:spAutoFit/>
+              </a:bodyPr>
+              <a:lstStyle/>
+              <a:p>
+                <a:r>
+                  <a:rPr lang="en-ID" dirty="0" smtClean="0">
+                    <a:solidFill>
+                      <a:srgbClr val="FF0000"/>
+                    </a:solidFill>
+                  </a:rPr>
+                  <a:t>3</a:t>
+                </a:r>
+                <a:endParaRPr lang="en-US" dirty="0">
+                  <a:solidFill>
+                    <a:srgbClr val="FF0000"/>
+                  </a:solidFill>
+                </a:endParaRPr>
+              </a:p>
+            </p:txBody>
+          </p:sp>
+          <p:sp>
+            <p:nvSpPr>
+              <p:cNvPr id="9" name="TextBox 8"/>
+              <p:cNvSpPr txBox="1"/>
+              <p:nvPr/>
+            </p:nvSpPr>
+            <p:spPr>
+              <a:xfrm>
+                <a:off x="2743200" y="1447800"/>
+                <a:ext cx="301686" cy="369332"/>
+              </a:xfrm>
+              <a:prstGeom prst="rect">
+                <a:avLst/>
+              </a:prstGeom>
+              <a:noFill/>
+            </p:spPr>
+            <p:txBody>
+              <a:bodyPr wrap="none" rtlCol="0">
+                <a:spAutoFit/>
+              </a:bodyPr>
+              <a:lstStyle/>
+              <a:p>
+                <a:r>
+                  <a:rPr lang="en-ID" dirty="0" smtClean="0">
+                    <a:solidFill>
+                      <a:srgbClr val="FF0000"/>
+                    </a:solidFill>
+                  </a:rPr>
+                  <a:t>5</a:t>
+                </a:r>
+                <a:endParaRPr lang="en-US" dirty="0">
+                  <a:solidFill>
+                    <a:srgbClr val="FF0000"/>
+                  </a:solidFill>
+                </a:endParaRPr>
+              </a:p>
+            </p:txBody>
+          </p:sp>
+          <p:sp>
+            <p:nvSpPr>
+              <p:cNvPr id="10" name="TextBox 9"/>
+              <p:cNvSpPr txBox="1"/>
+              <p:nvPr/>
+            </p:nvSpPr>
+            <p:spPr>
+              <a:xfrm>
+                <a:off x="1066800" y="1459468"/>
+                <a:ext cx="301686" cy="369332"/>
+              </a:xfrm>
+              <a:prstGeom prst="rect">
+                <a:avLst/>
+              </a:prstGeom>
+              <a:noFill/>
+            </p:spPr>
+            <p:txBody>
+              <a:bodyPr wrap="none" rtlCol="0">
+                <a:spAutoFit/>
+              </a:bodyPr>
+              <a:lstStyle/>
+              <a:p>
+                <a:r>
+                  <a:rPr lang="en-ID" dirty="0" smtClean="0">
+                    <a:solidFill>
+                      <a:srgbClr val="FF0000"/>
+                    </a:solidFill>
+                  </a:rPr>
+                  <a:t>4</a:t>
+                </a:r>
+                <a:endParaRPr lang="en-US" dirty="0">
+                  <a:solidFill>
+                    <a:srgbClr val="FF0000"/>
+                  </a:solidFill>
+                </a:endParaRPr>
+              </a:p>
+            </p:txBody>
+          </p:sp>
+          <p:sp>
+            <p:nvSpPr>
+              <p:cNvPr id="11" name="TextBox 10"/>
+              <p:cNvSpPr txBox="1"/>
+              <p:nvPr/>
+            </p:nvSpPr>
+            <p:spPr>
+              <a:xfrm>
+                <a:off x="533400" y="1371600"/>
+                <a:ext cx="301686" cy="369332"/>
+              </a:xfrm>
+              <a:prstGeom prst="rect">
+                <a:avLst/>
+              </a:prstGeom>
+              <a:noFill/>
+            </p:spPr>
+            <p:txBody>
+              <a:bodyPr wrap="none" rtlCol="0">
+                <a:spAutoFit/>
+              </a:bodyPr>
+              <a:lstStyle/>
+              <a:p>
+                <a:r>
+                  <a:rPr lang="en-ID" dirty="0" smtClean="0">
+                    <a:solidFill>
+                      <a:srgbClr val="FF0000"/>
+                    </a:solidFill>
+                  </a:rPr>
+                  <a:t>6</a:t>
+                </a:r>
+                <a:endParaRPr lang="en-US" dirty="0">
+                  <a:solidFill>
+                    <a:srgbClr val="FF0000"/>
+                  </a:solidFill>
+                </a:endParaRPr>
+              </a:p>
+            </p:txBody>
+          </p:sp>
+          <p:cxnSp>
+            <p:nvCxnSpPr>
+              <p:cNvPr id="13" name="Straight Arrow Connector 12"/>
+              <p:cNvCxnSpPr/>
+              <p:nvPr/>
+            </p:nvCxnSpPr>
+            <p:spPr>
+              <a:xfrm rot="5400000" flipH="1" flipV="1">
+                <a:off x="267479" y="2247121"/>
+                <a:ext cx="152400" cy="230157"/>
+              </a:xfrm>
+              <a:prstGeom prst="straightConnector1">
+                <a:avLst/>
+              </a:prstGeom>
+              <a:ln w="28575">
+                <a:tailEnd type="arrow"/>
+              </a:ln>
+            </p:spPr>
+            <p:style>
+              <a:lnRef idx="1">
+                <a:schemeClr val="accent2"/>
+              </a:lnRef>
+              <a:fillRef idx="0">
+                <a:schemeClr val="accent2"/>
+              </a:fillRef>
+              <a:effectRef idx="0">
+                <a:schemeClr val="accent2"/>
+              </a:effectRef>
+              <a:fontRef idx="minor">
+                <a:schemeClr val="tx1"/>
+              </a:fontRef>
+            </p:style>
+          </p:cxnSp>
+          <p:cxnSp>
+            <p:nvCxnSpPr>
+              <p:cNvPr id="14" name="Straight Arrow Connector 13"/>
+              <p:cNvCxnSpPr/>
+              <p:nvPr/>
+            </p:nvCxnSpPr>
+            <p:spPr>
+              <a:xfrm flipH="1" flipV="1">
+                <a:off x="838200" y="2362200"/>
+                <a:ext cx="225484" cy="337066"/>
+              </a:xfrm>
+              <a:prstGeom prst="straightConnector1">
+                <a:avLst/>
+              </a:prstGeom>
+              <a:ln w="28575">
+                <a:tailEnd type="arrow"/>
+              </a:ln>
+            </p:spPr>
+            <p:style>
+              <a:lnRef idx="1">
+                <a:schemeClr val="accent2"/>
+              </a:lnRef>
+              <a:fillRef idx="0">
+                <a:schemeClr val="accent2"/>
+              </a:fillRef>
+              <a:effectRef idx="0">
+                <a:schemeClr val="accent2"/>
+              </a:effectRef>
+              <a:fontRef idx="minor">
+                <a:schemeClr val="tx1"/>
+              </a:fontRef>
+            </p:style>
+          </p:cxnSp>
+          <p:cxnSp>
+            <p:nvCxnSpPr>
+              <p:cNvPr id="18" name="Straight Arrow Connector 17"/>
+              <p:cNvCxnSpPr>
+                <a:stCxn id="8" idx="1"/>
+              </p:cNvCxnSpPr>
+              <p:nvPr/>
+            </p:nvCxnSpPr>
+            <p:spPr>
+              <a:xfrm rot="10800000">
+                <a:off x="1600200" y="2286000"/>
+                <a:ext cx="990600" cy="184666"/>
+              </a:xfrm>
+              <a:prstGeom prst="straightConnector1">
+                <a:avLst/>
+              </a:prstGeom>
+              <a:ln w="28575">
+                <a:tailEnd type="arrow"/>
+              </a:ln>
+            </p:spPr>
+            <p:style>
+              <a:lnRef idx="1">
+                <a:schemeClr val="accent2"/>
+              </a:lnRef>
+              <a:fillRef idx="0">
+                <a:schemeClr val="accent2"/>
+              </a:fillRef>
+              <a:effectRef idx="0">
+                <a:schemeClr val="accent2"/>
+              </a:effectRef>
+              <a:fontRef idx="minor">
+                <a:schemeClr val="tx1"/>
+              </a:fontRef>
+            </p:style>
+          </p:cxnSp>
+          <p:cxnSp>
+            <p:nvCxnSpPr>
+              <p:cNvPr id="20" name="Straight Arrow Connector 19"/>
+              <p:cNvCxnSpPr/>
+              <p:nvPr/>
+            </p:nvCxnSpPr>
+            <p:spPr>
+              <a:xfrm>
+                <a:off x="1371600" y="1676400"/>
+                <a:ext cx="381000" cy="304800"/>
+              </a:xfrm>
+              <a:prstGeom prst="straightConnector1">
+                <a:avLst/>
+              </a:prstGeom>
+              <a:ln w="28575">
+                <a:tailEnd type="arrow"/>
+              </a:ln>
+            </p:spPr>
+            <p:style>
+              <a:lnRef idx="1">
+                <a:schemeClr val="accent2"/>
+              </a:lnRef>
+              <a:fillRef idx="0">
+                <a:schemeClr val="accent2"/>
+              </a:fillRef>
+              <a:effectRef idx="0">
+                <a:schemeClr val="accent2"/>
+              </a:effectRef>
+              <a:fontRef idx="minor">
+                <a:schemeClr val="tx1"/>
+              </a:fontRef>
+            </p:style>
+          </p:cxnSp>
+          <p:cxnSp>
+            <p:nvCxnSpPr>
+              <p:cNvPr id="23" name="Straight Arrow Connector 22"/>
+              <p:cNvCxnSpPr/>
+              <p:nvPr/>
+            </p:nvCxnSpPr>
+            <p:spPr>
+              <a:xfrm rot="10800000" flipV="1">
+                <a:off x="2133600" y="1752600"/>
+                <a:ext cx="609600" cy="228600"/>
+              </a:xfrm>
+              <a:prstGeom prst="straightConnector1">
+                <a:avLst/>
+              </a:prstGeom>
+              <a:ln w="28575">
+                <a:tailEnd type="arrow"/>
+              </a:ln>
+            </p:spPr>
+            <p:style>
+              <a:lnRef idx="1">
+                <a:schemeClr val="accent2"/>
+              </a:lnRef>
+              <a:fillRef idx="0">
+                <a:schemeClr val="accent2"/>
+              </a:fillRef>
+              <a:effectRef idx="0">
+                <a:schemeClr val="accent2"/>
+              </a:effectRef>
+              <a:fontRef idx="minor">
+                <a:schemeClr val="tx1"/>
+              </a:fontRef>
+            </p:style>
+          </p:cxnSp>
+          <p:cxnSp>
+            <p:nvCxnSpPr>
+              <p:cNvPr id="26" name="Straight Arrow Connector 25"/>
+              <p:cNvCxnSpPr/>
+              <p:nvPr/>
+            </p:nvCxnSpPr>
+            <p:spPr>
+              <a:xfrm rot="16200000" flipH="1">
+                <a:off x="647701" y="1790699"/>
+                <a:ext cx="457200" cy="228602"/>
+              </a:xfrm>
+              <a:prstGeom prst="straightConnector1">
+                <a:avLst/>
+              </a:prstGeom>
+              <a:ln w="28575">
+                <a:tailEnd type="arrow"/>
+              </a:ln>
+            </p:spPr>
+            <p:style>
+              <a:lnRef idx="1">
+                <a:schemeClr val="accent2"/>
+              </a:lnRef>
+              <a:fillRef idx="0">
+                <a:schemeClr val="accent2"/>
+              </a:fillRef>
+              <a:effectRef idx="0">
+                <a:schemeClr val="accent2"/>
+              </a:effectRef>
+              <a:fontRef idx="minor">
+                <a:schemeClr val="tx1"/>
+              </a:fontRef>
+            </p:style>
+          </p:cxnSp>
+        </p:grpSp>
+      </p:grpSp>
+    </p:spTree>
+  </p:cSld>
+  <p:clrMapOvr>
+    <a:masterClrMapping/>
+  </p:clrMapOvr>
+  <p:timing>
+    <p:tnLst>
+      <p:par>
+        <p:cTn id="1" dur="indefinite" restart="never" nodeType="tmRoot"/>
+      </p:par>
+    </p:tnLst>
+  </p:timing>
+</p:sld>
+</file>
+
+<file path=ppt/slides/slide11.xml><?xml version="1.0" encoding="utf-8"?>
+<p:sld xmlns:a="http://schemas.openxmlformats.org/drawingml/2006/main" xmlns:r="http://schemas.openxmlformats.org/officeDocument/2006/relationships" xmlns:p="http://schemas.openxmlformats.org/presentationml/2006/main">
+  <p:cSld>
+    <p:spTree>
+      <p:nvGrpSpPr>
+        <p:cNvPr id="1" name=""/>
+        <p:cNvGrpSpPr/>
+        <p:nvPr/>
+      </p:nvGrpSpPr>
+      <p:grpSpPr>
+        <a:xfrm>
+          <a:off x="0" y="0"/>
+          <a:ext cx="0" cy="0"/>
+          <a:chOff x="0" y="0"/>
+          <a:chExt cx="0" cy="0"/>
+        </a:xfrm>
+      </p:grpSpPr>
+      <p:sp>
+        <p:nvSpPr>
+          <p:cNvPr id="2" name="Title 1"/>
+          <p:cNvSpPr>
+            <a:spLocks noGrp="1"/>
+          </p:cNvSpPr>
+          <p:nvPr>
+            <p:ph type="title"/>
+          </p:nvPr>
+        </p:nvSpPr>
+        <p:spPr/>
+        <p:txBody>
+          <a:bodyPr/>
+          <a:lstStyle/>
+          <a:p>
+            <a:r>
+              <a:rPr lang="en-ID" dirty="0" err="1" smtClean="0"/>
+              <a:t>Alamat</a:t>
+            </a:r>
+            <a:r>
+              <a:rPr lang="en-ID" dirty="0" smtClean="0"/>
+              <a:t> </a:t>
+            </a:r>
+            <a:r>
+              <a:rPr lang="en-ID" dirty="0" smtClean="0"/>
+              <a:t>Website (Domain)</a:t>
+            </a:r>
+            <a:endParaRPr lang="en-US" dirty="0"/>
+          </a:p>
+        </p:txBody>
+      </p:sp>
+      <p:sp>
+        <p:nvSpPr>
+          <p:cNvPr id="3" name="Content Placeholder 2"/>
+          <p:cNvSpPr>
+            <a:spLocks noGrp="1"/>
+          </p:cNvSpPr>
+          <p:nvPr>
+            <p:ph idx="1"/>
+          </p:nvPr>
+        </p:nvSpPr>
+        <p:spPr/>
+        <p:txBody>
+          <a:bodyPr/>
+          <a:lstStyle/>
+          <a:p>
+            <a:pPr>
+              <a:buNone/>
+            </a:pPr>
+            <a:r>
+              <a:rPr lang="en-ID" dirty="0" smtClean="0"/>
+              <a:t>	</a:t>
+            </a:r>
+            <a:r>
+              <a:rPr lang="en-ID" dirty="0" smtClean="0"/>
+              <a:t>Domain </a:t>
+            </a:r>
+            <a:r>
+              <a:rPr lang="en-ID" dirty="0" err="1" smtClean="0"/>
+              <a:t>adalah</a:t>
+            </a:r>
+            <a:r>
+              <a:rPr lang="en-ID" dirty="0" smtClean="0"/>
+              <a:t> </a:t>
+            </a:r>
+            <a:r>
+              <a:rPr lang="en-ID" dirty="0" err="1" smtClean="0"/>
+              <a:t>alamat</a:t>
+            </a:r>
+            <a:r>
+              <a:rPr lang="en-ID" dirty="0" smtClean="0"/>
+              <a:t> </a:t>
+            </a:r>
+            <a:r>
+              <a:rPr lang="en-ID" dirty="0" err="1" smtClean="0"/>
+              <a:t>sebuah</a:t>
+            </a:r>
+            <a:r>
+              <a:rPr lang="en-ID" dirty="0" smtClean="0"/>
+              <a:t> </a:t>
+            </a:r>
+            <a:r>
+              <a:rPr lang="en-ID" dirty="0" err="1" smtClean="0"/>
+              <a:t>lembaga</a:t>
+            </a:r>
+            <a:r>
+              <a:rPr lang="en-ID" dirty="0" smtClean="0"/>
+              <a:t>, </a:t>
+            </a:r>
+            <a:r>
+              <a:rPr lang="en-ID" dirty="0" err="1" smtClean="0"/>
+              <a:t>organisasi</a:t>
+            </a:r>
+            <a:r>
+              <a:rPr lang="en-ID" dirty="0" smtClean="0"/>
+              <a:t>, </a:t>
+            </a:r>
+            <a:r>
+              <a:rPr lang="en-ID" dirty="0" err="1" smtClean="0"/>
+              <a:t>bisnis</a:t>
+            </a:r>
+            <a:r>
+              <a:rPr lang="en-ID" dirty="0" smtClean="0"/>
+              <a:t>, </a:t>
+            </a:r>
+            <a:r>
+              <a:rPr lang="en-ID" dirty="0" err="1" smtClean="0"/>
+              <a:t>atau</a:t>
+            </a:r>
+            <a:r>
+              <a:rPr lang="en-ID" dirty="0" smtClean="0"/>
+              <a:t> </a:t>
+            </a:r>
+            <a:r>
+              <a:rPr lang="en-ID" dirty="0" err="1" smtClean="0"/>
+              <a:t>aplikasi</a:t>
+            </a:r>
+            <a:r>
+              <a:rPr lang="en-ID" dirty="0" smtClean="0"/>
+              <a:t> yang </a:t>
+            </a:r>
+            <a:r>
+              <a:rPr lang="en-ID" dirty="0" err="1" smtClean="0"/>
+              <a:t>menggunakan</a:t>
+            </a:r>
+            <a:r>
+              <a:rPr lang="en-ID" dirty="0" smtClean="0"/>
+              <a:t> website </a:t>
+            </a:r>
+            <a:r>
+              <a:rPr lang="en-ID" dirty="0" err="1" smtClean="0"/>
+              <a:t>tersebut</a:t>
+            </a:r>
+            <a:r>
+              <a:rPr lang="en-ID" dirty="0" smtClean="0"/>
+              <a:t>.</a:t>
+            </a:r>
+          </a:p>
+          <a:p>
+            <a:pPr>
+              <a:buNone/>
+            </a:pPr>
+            <a:endParaRPr lang="en-ID" dirty="0" smtClean="0"/>
+          </a:p>
+          <a:p>
+            <a:pPr>
+              <a:buNone/>
+            </a:pPr>
+            <a:r>
+              <a:rPr lang="en-ID" dirty="0" smtClean="0"/>
+              <a:t>	</a:t>
+            </a:r>
+            <a:r>
+              <a:rPr lang="en-ID" dirty="0" err="1" smtClean="0"/>
+              <a:t>Secara</a:t>
+            </a:r>
+            <a:r>
+              <a:rPr lang="en-ID" dirty="0" smtClean="0"/>
+              <a:t> </a:t>
+            </a:r>
+            <a:r>
+              <a:rPr lang="en-ID" dirty="0" err="1" smtClean="0"/>
+              <a:t>singkatnya</a:t>
+            </a:r>
+            <a:r>
+              <a:rPr lang="en-ID" dirty="0" smtClean="0"/>
+              <a:t> domain </a:t>
+            </a:r>
+            <a:r>
+              <a:rPr lang="en-ID" dirty="0" err="1" smtClean="0"/>
+              <a:t>adalah</a:t>
+            </a:r>
+            <a:r>
+              <a:rPr lang="en-ID" dirty="0" smtClean="0"/>
+              <a:t> </a:t>
+            </a:r>
+            <a:r>
+              <a:rPr lang="en-ID" dirty="0" err="1" smtClean="0"/>
+              <a:t>alamat</a:t>
+            </a:r>
+            <a:r>
+              <a:rPr lang="en-ID" dirty="0" smtClean="0"/>
+              <a:t> website </a:t>
+            </a:r>
+            <a:r>
+              <a:rPr lang="en-ID" dirty="0" err="1" smtClean="0"/>
+              <a:t>itu</a:t>
+            </a:r>
+            <a:r>
+              <a:rPr lang="en-ID" dirty="0" smtClean="0"/>
+              <a:t> </a:t>
+            </a:r>
+            <a:r>
+              <a:rPr lang="en-ID" dirty="0" err="1" smtClean="0"/>
+              <a:t>sendiri</a:t>
+            </a:r>
+            <a:r>
+              <a:rPr lang="en-ID" dirty="0" smtClean="0"/>
+              <a:t>.</a:t>
+            </a:r>
+            <a:endParaRPr lang="en-US" dirty="0"/>
+          </a:p>
+        </p:txBody>
+      </p:sp>
+    </p:spTree>
+  </p:cSld>
+  <p:clrMapOvr>
+    <a:masterClrMapping/>
+  </p:clrMapOvr>
+  <p:timing>
+    <p:tnLst>
+      <p:par>
+        <p:cTn id="1" dur="indefinite" restart="never" nodeType="tmRoot"/>
+      </p:par>
+    </p:tnLst>
+  </p:timing>
+</p:sld>
+</file>
+
+<file path=ppt/slides/slide12.xml><?xml version="1.0" encoding="utf-8"?>
+<p:sld xmlns:a="http://schemas.openxmlformats.org/drawingml/2006/main" xmlns:r="http://schemas.openxmlformats.org/officeDocument/2006/relationships" xmlns:p="http://schemas.openxmlformats.org/presentationml/2006/main">
+  <p:cSld>
+    <p:spTree>
+      <p:nvGrpSpPr>
+        <p:cNvPr id="1" name=""/>
+        <p:cNvGrpSpPr/>
+        <p:nvPr/>
+      </p:nvGrpSpPr>
+      <p:grpSpPr>
+        <a:xfrm>
+          <a:off x="0" y="0"/>
+          <a:ext cx="0" cy="0"/>
+          <a:chOff x="0" y="0"/>
+          <a:chExt cx="0" cy="0"/>
+        </a:xfrm>
+      </p:grpSpPr>
+      <p:sp>
+        <p:nvSpPr>
+          <p:cNvPr id="2" name="Title 1"/>
+          <p:cNvSpPr>
+            <a:spLocks noGrp="1"/>
+          </p:cNvSpPr>
+          <p:nvPr>
+            <p:ph type="title"/>
+          </p:nvPr>
+        </p:nvSpPr>
+        <p:spPr/>
+        <p:txBody>
+          <a:bodyPr/>
+          <a:lstStyle/>
+          <a:p>
+            <a:r>
+              <a:rPr lang="en-ID" dirty="0" err="1" smtClean="0"/>
+              <a:t>Contoh</a:t>
+            </a:r>
+            <a:r>
+              <a:rPr lang="en-ID" dirty="0" smtClean="0"/>
+              <a:t> </a:t>
+            </a:r>
+            <a:r>
+              <a:rPr lang="en-ID" dirty="0" err="1" smtClean="0"/>
+              <a:t>Alamat</a:t>
+            </a:r>
+            <a:r>
+              <a:rPr lang="en-ID" dirty="0" smtClean="0"/>
+              <a:t> Website (Domain)</a:t>
+            </a:r>
+            <a:endParaRPr lang="en-US" dirty="0"/>
+          </a:p>
+        </p:txBody>
+      </p:sp>
+      <p:sp>
+        <p:nvSpPr>
+          <p:cNvPr id="3" name="Content Placeholder 2"/>
+          <p:cNvSpPr>
+            <a:spLocks noGrp="1"/>
+          </p:cNvSpPr>
+          <p:nvPr>
+            <p:ph idx="1"/>
+          </p:nvPr>
+        </p:nvSpPr>
+        <p:spPr/>
+        <p:txBody>
+          <a:bodyPr/>
+          <a:lstStyle/>
+          <a:p>
+            <a:pPr>
+              <a:buNone/>
+            </a:pPr>
+            <a:r>
+              <a:rPr lang="en-ID" dirty="0" err="1" smtClean="0"/>
+              <a:t>Alamat</a:t>
+            </a:r>
+            <a:r>
+              <a:rPr lang="en-ID" dirty="0" smtClean="0"/>
+              <a:t> Google : https://</a:t>
+            </a:r>
+            <a:r>
+              <a:rPr lang="en-ID" dirty="0" smtClean="0"/>
+              <a:t>www.google.com</a:t>
+            </a:r>
+          </a:p>
+          <a:p>
+            <a:pPr>
+              <a:buNone/>
+            </a:pPr>
+            <a:r>
+              <a:rPr lang="en-ID" dirty="0" err="1" smtClean="0"/>
+              <a:t>Alamat</a:t>
+            </a:r>
+            <a:r>
+              <a:rPr lang="en-ID" dirty="0" smtClean="0"/>
+              <a:t> </a:t>
+            </a:r>
+            <a:r>
+              <a:rPr lang="en-ID" dirty="0" err="1" smtClean="0"/>
+              <a:t>Instagram</a:t>
+            </a:r>
+            <a:r>
+              <a:rPr lang="en-ID" dirty="0" smtClean="0"/>
+              <a:t> : https://</a:t>
+            </a:r>
+            <a:r>
+              <a:rPr lang="en-ID" dirty="0" smtClean="0"/>
+              <a:t>www.instagram.com</a:t>
+            </a:r>
+          </a:p>
+          <a:p>
+            <a:pPr>
+              <a:buNone/>
+            </a:pPr>
+            <a:r>
+              <a:rPr lang="en-ID" dirty="0" err="1" smtClean="0"/>
+              <a:t>Alamat</a:t>
+            </a:r>
+            <a:r>
+              <a:rPr lang="en-ID" dirty="0" smtClean="0"/>
+              <a:t> </a:t>
+            </a:r>
+            <a:r>
+              <a:rPr lang="en-ID" dirty="0" err="1" smtClean="0"/>
+              <a:t>Tiktok</a:t>
+            </a:r>
+            <a:r>
+              <a:rPr lang="en-ID" dirty="0" smtClean="0"/>
+              <a:t> : https</a:t>
+            </a:r>
+            <a:r>
+              <a:rPr lang="en-ID" dirty="0" smtClean="0"/>
+              <a:t>://</a:t>
+            </a:r>
+            <a:r>
+              <a:rPr lang="en-ID" dirty="0" smtClean="0"/>
+              <a:t>www.tiktok.com</a:t>
+            </a:r>
+          </a:p>
+          <a:p>
+            <a:pPr>
+              <a:buNone/>
+            </a:pPr>
+            <a:r>
+              <a:rPr lang="en-ID" dirty="0" err="1" smtClean="0"/>
+              <a:t>Alamat</a:t>
+            </a:r>
+            <a:r>
+              <a:rPr lang="en-ID" dirty="0" smtClean="0"/>
+              <a:t> </a:t>
+            </a:r>
+            <a:r>
+              <a:rPr lang="en-ID" dirty="0" err="1" smtClean="0"/>
+              <a:t>Youtube</a:t>
+            </a:r>
+            <a:r>
+              <a:rPr lang="en-ID" dirty="0" smtClean="0"/>
+              <a:t> : </a:t>
+            </a:r>
+            <a:r>
+              <a:rPr lang="en-ID" dirty="0" smtClean="0"/>
+              <a:t>https://</a:t>
+            </a:r>
+            <a:r>
+              <a:rPr lang="en-ID" dirty="0" smtClean="0"/>
+              <a:t>www.youtube.com</a:t>
+            </a:r>
+          </a:p>
+          <a:p>
+            <a:pPr>
+              <a:buNone/>
+            </a:pPr>
+            <a:endParaRPr lang="en-US" dirty="0"/>
+          </a:p>
+        </p:txBody>
+      </p:sp>
+    </p:spTree>
+  </p:cSld>
+  <p:clrMapOvr>
+    <a:masterClrMapping/>
+  </p:clrMapOvr>
+  <p:timing>
+    <p:tnLst>
+      <p:par>
+        <p:cTn id="1" dur="indefinite" restart="never" nodeType="tmRoot"/>
+      </p:par>
+    </p:tnLst>
+  </p:timing>
+</p:sld>
+</file>
+
+<file path=ppt/slides/slide13.xml><?xml version="1.0" encoding="utf-8"?>
+<p:sld xmlns:a="http://schemas.openxmlformats.org/drawingml/2006/main" xmlns:r="http://schemas.openxmlformats.org/officeDocument/2006/relationships" xmlns:p="http://schemas.openxmlformats.org/presentationml/2006/main">
+  <p:cSld>
+    <p:spTree>
+      <p:nvGrpSpPr>
+        <p:cNvPr id="1" name=""/>
+        <p:cNvGrpSpPr/>
+        <p:nvPr/>
+      </p:nvGrpSpPr>
+      <p:grpSpPr>
+        <a:xfrm>
+          <a:off x="0" y="0"/>
+          <a:ext cx="0" cy="0"/>
+          <a:chOff x="0" y="0"/>
+          <a:chExt cx="0" cy="0"/>
+        </a:xfrm>
+      </p:grpSpPr>
+      <p:sp>
+        <p:nvSpPr>
+          <p:cNvPr id="2" name="Title 1"/>
+          <p:cNvSpPr>
+            <a:spLocks noGrp="1"/>
+          </p:cNvSpPr>
+          <p:nvPr>
+            <p:ph type="title"/>
+          </p:nvPr>
+        </p:nvSpPr>
+        <p:spPr/>
+        <p:txBody>
+          <a:bodyPr/>
+          <a:lstStyle/>
+          <a:p>
+            <a:r>
+              <a:rPr lang="en-ID" dirty="0" smtClean="0"/>
+              <a:t>TUGAS</a:t>
+            </a:r>
+            <a:endParaRPr lang="en-US" dirty="0"/>
+          </a:p>
+        </p:txBody>
+      </p:sp>
+      <p:sp>
+        <p:nvSpPr>
+          <p:cNvPr id="3" name="Content Placeholder 2"/>
+          <p:cNvSpPr>
+            <a:spLocks noGrp="1"/>
+          </p:cNvSpPr>
+          <p:nvPr>
+            <p:ph idx="1"/>
+          </p:nvPr>
+        </p:nvSpPr>
+        <p:spPr/>
+        <p:txBody>
+          <a:bodyPr>
+            <a:normAutofit lnSpcReduction="10000"/>
+          </a:bodyPr>
+          <a:lstStyle/>
+          <a:p>
+            <a:pPr marL="514350" indent="-514350">
+              <a:buAutoNum type="arabicPeriod"/>
+            </a:pPr>
+            <a:r>
+              <a:rPr lang="en-ID" dirty="0" err="1" smtClean="0"/>
+              <a:t>Aplikasi</a:t>
+            </a:r>
+            <a:r>
+              <a:rPr lang="en-ID" dirty="0" smtClean="0"/>
+              <a:t> yang </a:t>
+            </a:r>
+            <a:r>
+              <a:rPr lang="en-ID" dirty="0" err="1" smtClean="0"/>
+              <a:t>digunakan</a:t>
+            </a:r>
+            <a:r>
+              <a:rPr lang="en-ID" dirty="0" smtClean="0"/>
+              <a:t> </a:t>
+            </a:r>
+            <a:r>
+              <a:rPr lang="en-ID" dirty="0" err="1" smtClean="0"/>
+              <a:t>untuk</a:t>
+            </a:r>
+            <a:r>
+              <a:rPr lang="en-ID" dirty="0" smtClean="0"/>
+              <a:t> </a:t>
+            </a:r>
+            <a:r>
+              <a:rPr lang="en-ID" dirty="0" err="1" smtClean="0"/>
+              <a:t>menjelajahi</a:t>
+            </a:r>
+            <a:r>
+              <a:rPr lang="en-ID" dirty="0" smtClean="0"/>
+              <a:t> internet </a:t>
+            </a:r>
+            <a:r>
+              <a:rPr lang="en-ID" dirty="0" err="1" smtClean="0"/>
+              <a:t>disebut</a:t>
+            </a:r>
+            <a:r>
+              <a:rPr lang="en-ID" dirty="0" smtClean="0"/>
+              <a:t> </a:t>
+            </a:r>
+            <a:r>
+              <a:rPr lang="en-ID" dirty="0" err="1" smtClean="0"/>
+              <a:t>dengan</a:t>
+            </a:r>
+            <a:r>
+              <a:rPr lang="en-ID" dirty="0" smtClean="0"/>
+              <a:t> ......</a:t>
+            </a:r>
+          </a:p>
+          <a:p>
+            <a:pPr marL="514350" indent="-514350">
+              <a:buAutoNum type="arabicPeriod"/>
+            </a:pPr>
+            <a:r>
+              <a:rPr lang="en-ID" dirty="0" smtClean="0"/>
+              <a:t/>
+            </a:r>
+            <a:br>
+              <a:rPr lang="en-ID" dirty="0" smtClean="0"/>
+            </a:br>
+            <a:r>
+              <a:rPr lang="en-ID" dirty="0" err="1" smtClean="0"/>
+              <a:t>Nama</a:t>
+            </a:r>
+            <a:r>
+              <a:rPr lang="en-ID" dirty="0" smtClean="0"/>
+              <a:t> </a:t>
+            </a:r>
+            <a:r>
+              <a:rPr lang="en-ID" dirty="0" err="1" smtClean="0"/>
+              <a:t>ikon</a:t>
+            </a:r>
+            <a:r>
+              <a:rPr lang="en-ID" dirty="0" smtClean="0"/>
+              <a:t> </a:t>
+            </a:r>
+            <a:r>
+              <a:rPr lang="en-ID" dirty="0" err="1" smtClean="0"/>
+              <a:t>di</a:t>
+            </a:r>
+            <a:r>
+              <a:rPr lang="en-ID" dirty="0" smtClean="0"/>
+              <a:t> </a:t>
+            </a:r>
+            <a:r>
+              <a:rPr lang="en-ID" dirty="0" err="1" smtClean="0"/>
+              <a:t>atas</a:t>
+            </a:r>
+            <a:r>
+              <a:rPr lang="en-ID" dirty="0" smtClean="0"/>
+              <a:t> </a:t>
+            </a:r>
+            <a:r>
+              <a:rPr lang="en-ID" dirty="0" err="1" smtClean="0"/>
+              <a:t>adalah</a:t>
+            </a:r>
+            <a:r>
+              <a:rPr lang="en-ID" dirty="0" smtClean="0"/>
+              <a:t> </a:t>
+            </a:r>
+            <a:r>
+              <a:rPr lang="en-ID" dirty="0" err="1" smtClean="0"/>
+              <a:t>tombol</a:t>
+            </a:r>
+            <a:r>
+              <a:rPr lang="en-ID" dirty="0" smtClean="0"/>
+              <a:t> .....</a:t>
+            </a:r>
+          </a:p>
+          <a:p>
+            <a:pPr marL="514350" indent="-514350">
+              <a:buAutoNum type="arabicPeriod"/>
+            </a:pPr>
+            <a:r>
+              <a:rPr lang="en-ID" dirty="0" smtClean="0"/>
+              <a:t>Program web browser yang </a:t>
+            </a:r>
+            <a:r>
+              <a:rPr lang="en-ID" dirty="0" err="1" smtClean="0"/>
+              <a:t>dikeluarkan</a:t>
+            </a:r>
+            <a:r>
+              <a:rPr lang="en-ID" dirty="0" smtClean="0"/>
+              <a:t> </a:t>
+            </a:r>
+            <a:r>
+              <a:rPr lang="en-ID" dirty="0" err="1" smtClean="0"/>
+              <a:t>oleh</a:t>
+            </a:r>
+            <a:r>
+              <a:rPr lang="en-ID" dirty="0" smtClean="0"/>
+              <a:t> Google </a:t>
+            </a:r>
+            <a:r>
+              <a:rPr lang="en-ID" dirty="0" err="1" smtClean="0"/>
+              <a:t>adalah</a:t>
+            </a:r>
+            <a:r>
+              <a:rPr lang="en-ID" dirty="0" smtClean="0"/>
+              <a:t> .......</a:t>
+            </a:r>
+          </a:p>
+          <a:p>
+            <a:pPr marL="514350" indent="-514350">
+              <a:buAutoNum type="arabicPeriod"/>
+            </a:pPr>
+            <a:r>
+              <a:rPr lang="en-ID" dirty="0" err="1" smtClean="0"/>
+              <a:t>Alamat</a:t>
+            </a:r>
+            <a:r>
+              <a:rPr lang="en-ID" dirty="0" smtClean="0"/>
+              <a:t> </a:t>
+            </a:r>
+            <a:r>
+              <a:rPr lang="en-ID" dirty="0" err="1" smtClean="0"/>
+              <a:t>dari</a:t>
+            </a:r>
+            <a:r>
+              <a:rPr lang="en-ID" dirty="0" smtClean="0"/>
+              <a:t> </a:t>
+            </a:r>
+            <a:r>
+              <a:rPr lang="en-ID" dirty="0" err="1" smtClean="0"/>
+              <a:t>suatu</a:t>
+            </a:r>
+            <a:r>
+              <a:rPr lang="en-ID" dirty="0" smtClean="0"/>
+              <a:t> website </a:t>
+            </a:r>
+            <a:r>
+              <a:rPr lang="en-ID" dirty="0" err="1" smtClean="0"/>
+              <a:t>disebut</a:t>
+            </a:r>
+            <a:r>
+              <a:rPr lang="en-ID" dirty="0" smtClean="0"/>
+              <a:t> .....</a:t>
+            </a:r>
+          </a:p>
+          <a:p>
+            <a:pPr marL="514350" indent="-514350">
+              <a:buAutoNum type="arabicPeriod"/>
+            </a:pPr>
+            <a:r>
+              <a:rPr lang="en-ID" dirty="0" err="1" smtClean="0"/>
+              <a:t>Sebutkan</a:t>
+            </a:r>
+            <a:r>
+              <a:rPr lang="en-ID" dirty="0" smtClean="0"/>
+              <a:t> website </a:t>
+            </a:r>
+            <a:r>
+              <a:rPr lang="en-ID" dirty="0" err="1" smtClean="0"/>
+              <a:t>untuk</a:t>
+            </a:r>
+            <a:r>
+              <a:rPr lang="en-ID" dirty="0" smtClean="0"/>
+              <a:t> </a:t>
+            </a:r>
+            <a:r>
+              <a:rPr lang="en-ID" dirty="0" err="1" smtClean="0"/>
+              <a:t>belanja</a:t>
+            </a:r>
+            <a:r>
+              <a:rPr lang="en-ID" dirty="0" smtClean="0"/>
+              <a:t> online yang </a:t>
+            </a:r>
+            <a:r>
+              <a:rPr lang="en-ID" dirty="0" err="1" smtClean="0"/>
+              <a:t>kamu</a:t>
+            </a:r>
+            <a:r>
+              <a:rPr lang="en-ID" dirty="0" smtClean="0"/>
+              <a:t> </a:t>
+            </a:r>
+            <a:r>
+              <a:rPr lang="en-ID" dirty="0" err="1" smtClean="0"/>
+              <a:t>ketahui</a:t>
+            </a:r>
+            <a:r>
+              <a:rPr lang="en-ID" dirty="0" smtClean="0"/>
+              <a:t> .....</a:t>
+            </a:r>
+            <a:r>
+              <a:rPr lang="en-ID" dirty="0" smtClean="0"/>
+              <a:t> .....</a:t>
+            </a:r>
+          </a:p>
+          <a:p>
+            <a:pPr marL="514350" indent="-514350">
+              <a:buAutoNum type="arabicPeriod"/>
+            </a:pPr>
+            <a:endParaRPr lang="en-US" dirty="0"/>
+          </a:p>
+        </p:txBody>
+      </p:sp>
+      <p:sp>
+        <p:nvSpPr>
+          <p:cNvPr id="4" name="Right Arrow 3"/>
+          <p:cNvSpPr/>
+          <p:nvPr/>
+        </p:nvSpPr>
+        <p:spPr>
+          <a:xfrm flipH="1">
+            <a:off x="1219200" y="2667000"/>
+            <a:ext cx="533400" cy="533400"/>
+          </a:xfrm>
+          <a:prstGeom prst="rightArrow">
+            <a:avLst/>
+          </a:prstGeom>
+        </p:spPr>
+        <p:style>
+          <a:lnRef idx="2">
+            <a:schemeClr val="accent1">
+              <a:shade val="50000"/>
+            </a:schemeClr>
+          </a:lnRef>
+          <a:fillRef idx="1">
+            <a:schemeClr val="accent1"/>
+          </a:fillRef>
+          <a:effectRef idx="0">
+            <a:schemeClr val="accent1"/>
+          </a:effectRef>
+          <a:fontRef idx="minor">
+            <a:schemeClr val="lt1"/>
+          </a:fontRef>
+        </p:style>
+        <p:txBody>
+          <a:bodyPr rtlCol="0" anchor="ctr"/>
+          <a:lstStyle/>
+          <a:p>
+            <a:pPr algn="ctr"/>
+            <a:endParaRPr lang="en-US"/>
+          </a:p>
+        </p:txBody>
+      </p:sp>
+    </p:spTree>
+  </p:cSld>
+  <p:clrMapOvr>
+    <a:masterClrMapping/>
+  </p:clrMapOvr>
+  <p:timing>
+    <p:tnLst>
+      <p:par>
+        <p:cTn id="1" dur="indefinite" restart="never" nodeType="tmRoot"/>
+      </p:par>
+    </p:tnLst>
+  </p:timing>
+</p:sld>
+</file>
+
+<file path=ppt/slides/slide14.xml><?xml version="1.0" encoding="utf-8"?>
+<p:sld xmlns:a="http://schemas.openxmlformats.org/drawingml/2006/main" xmlns:r="http://schemas.openxmlformats.org/officeDocument/2006/relationships" xmlns:p="http://schemas.openxmlformats.org/presentationml/2006/main">
+  <p:cSld>
+    <p:spTree>
+      <p:nvGrpSpPr>
+        <p:cNvPr id="1" name=""/>
+        <p:cNvGrpSpPr/>
+        <p:nvPr/>
+      </p:nvGrpSpPr>
+      <p:grpSpPr>
+        <a:xfrm>
+          <a:off x="0" y="0"/>
+          <a:ext cx="0" cy="0"/>
+          <a:chOff x="0" y="0"/>
+          <a:chExt cx="0" cy="0"/>
+        </a:xfrm>
+      </p:grpSpPr>
+      <p:sp>
+        <p:nvSpPr>
+          <p:cNvPr id="3" name="Content Placeholder 2"/>
+          <p:cNvSpPr>
+            <a:spLocks noGrp="1"/>
+          </p:cNvSpPr>
+          <p:nvPr>
+            <p:ph idx="1"/>
+          </p:nvPr>
+        </p:nvSpPr>
+        <p:spPr>
+          <a:xfrm>
+            <a:off x="457200" y="1143000"/>
+            <a:ext cx="8229600" cy="4525963"/>
+          </a:xfrm>
+        </p:spPr>
+        <p:txBody>
+          <a:bodyPr/>
+          <a:lstStyle/>
+          <a:p>
+            <a:pPr marL="514350" indent="-514350">
+              <a:buAutoNum type="arabicPeriod" startAt="6"/>
+            </a:pPr>
+            <a:r>
+              <a:rPr lang="en-ID" dirty="0" err="1" smtClean="0"/>
+              <a:t>Pada</a:t>
+            </a:r>
+            <a:r>
+              <a:rPr lang="en-ID" dirty="0" smtClean="0"/>
+              <a:t> Browser, yang </a:t>
+            </a:r>
+            <a:r>
+              <a:rPr lang="en-ID" dirty="0" err="1" smtClean="0"/>
+              <a:t>digunakan</a:t>
+            </a:r>
+            <a:r>
+              <a:rPr lang="en-ID" dirty="0" smtClean="0"/>
+              <a:t> </a:t>
+            </a:r>
+            <a:r>
+              <a:rPr lang="en-ID" dirty="0" err="1" smtClean="0"/>
+              <a:t>untuk</a:t>
+            </a:r>
+            <a:r>
+              <a:rPr lang="en-ID" dirty="0" smtClean="0"/>
+              <a:t> </a:t>
+            </a:r>
+            <a:r>
+              <a:rPr lang="en-ID" dirty="0" err="1" smtClean="0"/>
+              <a:t>menuliskan</a:t>
+            </a:r>
+            <a:r>
+              <a:rPr lang="en-ID" dirty="0" smtClean="0"/>
+              <a:t> </a:t>
+            </a:r>
+            <a:r>
+              <a:rPr lang="en-ID" dirty="0" err="1" smtClean="0"/>
+              <a:t>alamat</a:t>
+            </a:r>
+            <a:r>
+              <a:rPr lang="en-ID" dirty="0" smtClean="0"/>
+              <a:t> website </a:t>
+            </a:r>
+            <a:r>
+              <a:rPr lang="en-ID" dirty="0" err="1" smtClean="0"/>
+              <a:t>adalah</a:t>
+            </a:r>
+            <a:r>
+              <a:rPr lang="en-ID" dirty="0" smtClean="0"/>
+              <a:t> ....</a:t>
+            </a:r>
+          </a:p>
+          <a:p>
+            <a:pPr marL="514350" indent="-514350">
+              <a:buAutoNum type="arabicPeriod" startAt="6"/>
+            </a:pPr>
+            <a:r>
+              <a:rPr lang="en-ID" dirty="0" err="1" smtClean="0"/>
+              <a:t>Alamat</a:t>
+            </a:r>
+            <a:r>
+              <a:rPr lang="en-ID" dirty="0" smtClean="0"/>
+              <a:t> website </a:t>
+            </a:r>
+            <a:r>
+              <a:rPr lang="en-ID" dirty="0" err="1" smtClean="0"/>
+              <a:t>google</a:t>
+            </a:r>
+            <a:r>
+              <a:rPr lang="en-ID" dirty="0" smtClean="0"/>
+              <a:t> </a:t>
+            </a:r>
+            <a:r>
+              <a:rPr lang="en-ID" dirty="0" err="1" smtClean="0"/>
+              <a:t>adalah</a:t>
+            </a:r>
+            <a:r>
+              <a:rPr lang="en-ID" dirty="0" smtClean="0"/>
+              <a:t> .....</a:t>
+            </a:r>
+          </a:p>
+          <a:p>
+            <a:pPr marL="514350" indent="-514350">
+              <a:buAutoNum type="arabicPeriod" startAt="6"/>
+            </a:pPr>
+            <a:r>
+              <a:rPr lang="en-ID" dirty="0" err="1" smtClean="0"/>
+              <a:t>Alamat</a:t>
+            </a:r>
+            <a:r>
+              <a:rPr lang="en-ID" dirty="0" smtClean="0"/>
+              <a:t> website </a:t>
+            </a:r>
+            <a:r>
+              <a:rPr lang="en-ID" dirty="0" err="1" smtClean="0"/>
+              <a:t>instagram</a:t>
+            </a:r>
+            <a:r>
+              <a:rPr lang="en-ID" dirty="0" smtClean="0"/>
+              <a:t> </a:t>
+            </a:r>
+            <a:r>
+              <a:rPr lang="en-ID" dirty="0" err="1" smtClean="0"/>
+              <a:t>adalah</a:t>
+            </a:r>
+            <a:r>
+              <a:rPr lang="en-ID" dirty="0" smtClean="0"/>
+              <a:t> .....</a:t>
+            </a:r>
+          </a:p>
+          <a:p>
+            <a:pPr marL="514350" indent="-514350">
+              <a:buAutoNum type="arabicPeriod" startAt="6"/>
+            </a:pPr>
+            <a:r>
+              <a:rPr lang="en-ID" dirty="0" smtClean="0"/>
+              <a:t>Website </a:t>
+            </a:r>
+            <a:r>
+              <a:rPr lang="en-ID" dirty="0" err="1" smtClean="0"/>
+              <a:t>untuk</a:t>
+            </a:r>
+            <a:r>
+              <a:rPr lang="en-ID" dirty="0" smtClean="0"/>
+              <a:t> </a:t>
+            </a:r>
+            <a:r>
+              <a:rPr lang="en-ID" dirty="0" err="1" smtClean="0"/>
+              <a:t>menonton</a:t>
+            </a:r>
+            <a:r>
+              <a:rPr lang="en-ID" dirty="0" smtClean="0"/>
+              <a:t> video yang paling </a:t>
+            </a:r>
+            <a:r>
+              <a:rPr lang="en-ID" dirty="0" err="1" smtClean="0"/>
+              <a:t>populer</a:t>
+            </a:r>
+            <a:r>
+              <a:rPr lang="en-ID" dirty="0" smtClean="0"/>
+              <a:t> </a:t>
+            </a:r>
+            <a:r>
+              <a:rPr lang="en-ID" dirty="0" err="1" smtClean="0"/>
+              <a:t>adalah</a:t>
+            </a:r>
+            <a:r>
+              <a:rPr lang="en-ID" dirty="0" smtClean="0"/>
+              <a:t> .....</a:t>
+            </a:r>
+          </a:p>
+          <a:p>
+            <a:pPr marL="514350" indent="-514350">
+              <a:buAutoNum type="arabicPeriod" startAt="6"/>
+            </a:pPr>
+            <a:endParaRPr lang="en-ID" dirty="0" smtClean="0"/>
+          </a:p>
+          <a:p>
+            <a:pPr marL="514350" indent="-514350">
+              <a:buAutoNum type="arabicPeriod" startAt="6"/>
+            </a:pPr>
+            <a:endParaRPr lang="en-ID" dirty="0" smtClean="0"/>
+          </a:p>
+          <a:p>
+            <a:pPr marL="514350" indent="-514350">
+              <a:buAutoNum type="arabicPeriod" startAt="6"/>
+            </a:pPr>
+            <a:endParaRPr lang="en-ID" dirty="0" smtClean="0"/>
+          </a:p>
+          <a:p>
+            <a:pPr marL="514350" indent="-514350">
+              <a:buAutoNum type="arabicPeriod"/>
+            </a:pPr>
+            <a:endParaRPr lang="en-US" dirty="0"/>
+          </a:p>
+        </p:txBody>
+      </p:sp>
+    </p:spTree>
+  </p:cSld>
+  <p:clrMapOvr>
+    <a:masterClrMapping/>
+  </p:clrMapOvr>
+  <p:timing>
+    <p:tnLst>
+      <p:par>
+        <p:cTn id="1" dur="indefinite" restart="never" nodeType="tmRoot"/>
+      </p:par>
+    </p:tnLst>
+  </p:timing>
 </p:sld>
 </file>
 
@@ -3470,9 +5354,216 @@
           <a:chExt cx="0" cy="0"/>
         </a:xfrm>
       </p:grpSpPr>
+      <p:sp>
+        <p:nvSpPr>
+          <p:cNvPr id="3" name="Content Placeholder 2"/>
+          <p:cNvSpPr>
+            <a:spLocks noGrp="1"/>
+          </p:cNvSpPr>
+          <p:nvPr>
+            <p:ph idx="1"/>
+          </p:nvPr>
+        </p:nvSpPr>
+        <p:spPr>
+          <a:xfrm>
+            <a:off x="457200" y="427037"/>
+            <a:ext cx="8229600" cy="3078163"/>
+          </a:xfrm>
+        </p:spPr>
+        <p:txBody>
+          <a:bodyPr/>
+          <a:lstStyle/>
+          <a:p>
+            <a:pPr>
+              <a:buNone/>
+            </a:pPr>
+            <a:r>
+              <a:rPr lang="en-ID" dirty="0" smtClean="0"/>
+              <a:t>	</a:t>
+            </a:r>
+            <a:r>
+              <a:rPr lang="en-ID" dirty="0" err="1" smtClean="0"/>
+              <a:t>Dalam</a:t>
+            </a:r>
+            <a:r>
+              <a:rPr lang="en-ID" dirty="0" smtClean="0"/>
+              <a:t> </a:t>
+            </a:r>
+            <a:r>
+              <a:rPr lang="en-ID" dirty="0" err="1" smtClean="0"/>
+              <a:t>kegiatan</a:t>
+            </a:r>
+            <a:r>
+              <a:rPr lang="en-ID" dirty="0" smtClean="0"/>
+              <a:t> </a:t>
+            </a:r>
+            <a:r>
+              <a:rPr lang="en-ID" dirty="0" err="1" smtClean="0"/>
+              <a:t>sehari-hari</a:t>
+            </a:r>
+            <a:r>
+              <a:rPr lang="en-ID" dirty="0" smtClean="0"/>
+              <a:t> </a:t>
+            </a:r>
+            <a:r>
+              <a:rPr lang="en-ID" dirty="0" err="1" smtClean="0"/>
+              <a:t>kita</a:t>
+            </a:r>
+            <a:r>
+              <a:rPr lang="en-ID" dirty="0" smtClean="0"/>
+              <a:t> </a:t>
+            </a:r>
+            <a:r>
+              <a:rPr lang="en-ID" dirty="0" err="1" smtClean="0"/>
+              <a:t>tidak</a:t>
+            </a:r>
+            <a:r>
+              <a:rPr lang="en-ID" dirty="0" smtClean="0"/>
+              <a:t> </a:t>
+            </a:r>
+            <a:r>
+              <a:rPr lang="en-ID" dirty="0" err="1" smtClean="0"/>
+              <a:t>dapat</a:t>
+            </a:r>
+            <a:r>
+              <a:rPr lang="en-ID" dirty="0" smtClean="0"/>
+              <a:t> </a:t>
+            </a:r>
+            <a:r>
+              <a:rPr lang="en-ID" dirty="0" err="1" smtClean="0"/>
+              <a:t>lepas</a:t>
+            </a:r>
+            <a:r>
+              <a:rPr lang="en-US" dirty="0" smtClean="0"/>
+              <a:t> </a:t>
+            </a:r>
+            <a:r>
+              <a:rPr lang="en-US" dirty="0" err="1" smtClean="0"/>
+              <a:t>dari</a:t>
+            </a:r>
+            <a:r>
+              <a:rPr lang="en-US" dirty="0" smtClean="0"/>
+              <a:t> Internet. </a:t>
+            </a:r>
+            <a:r>
+              <a:rPr lang="en-US" dirty="0" err="1" smtClean="0"/>
+              <a:t>Mulai</a:t>
+            </a:r>
+            <a:r>
+              <a:rPr lang="en-US" dirty="0" smtClean="0"/>
+              <a:t> </a:t>
+            </a:r>
+            <a:r>
+              <a:rPr lang="en-US" dirty="0" err="1" smtClean="0"/>
+              <a:t>dari</a:t>
+            </a:r>
+            <a:r>
+              <a:rPr lang="en-US" dirty="0" smtClean="0"/>
+              <a:t> </a:t>
+            </a:r>
+            <a:r>
+              <a:rPr lang="en-US" dirty="0" err="1" smtClean="0"/>
+              <a:t>mencari</a:t>
+            </a:r>
+            <a:r>
+              <a:rPr lang="en-US" dirty="0" smtClean="0"/>
+              <a:t> </a:t>
+            </a:r>
+            <a:r>
+              <a:rPr lang="en-US" dirty="0" err="1" smtClean="0"/>
+              <a:t>informasi</a:t>
+            </a:r>
+            <a:r>
+              <a:rPr lang="en-US" dirty="0" smtClean="0"/>
+              <a:t>, </a:t>
+            </a:r>
+            <a:r>
+              <a:rPr lang="en-US" dirty="0" err="1" smtClean="0"/>
+              <a:t>menonton</a:t>
+            </a:r>
+            <a:r>
+              <a:rPr lang="en-US" dirty="0" smtClean="0"/>
+              <a:t> video, </a:t>
+            </a:r>
+            <a:r>
+              <a:rPr lang="en-US" dirty="0" err="1" smtClean="0"/>
+              <a:t>melihat</a:t>
+            </a:r>
+            <a:r>
+              <a:rPr lang="en-US" dirty="0" smtClean="0"/>
+              <a:t> </a:t>
+            </a:r>
+            <a:r>
+              <a:rPr lang="en-US" dirty="0" err="1" smtClean="0"/>
+              <a:t>gambar</a:t>
+            </a:r>
+            <a:r>
+              <a:rPr lang="en-US" dirty="0" smtClean="0"/>
+              <a:t>, </a:t>
+            </a:r>
+            <a:r>
+              <a:rPr lang="en-US" dirty="0" err="1" smtClean="0"/>
+              <a:t>mendengarkan</a:t>
+            </a:r>
+            <a:r>
+              <a:rPr lang="en-US" dirty="0" smtClean="0"/>
+              <a:t> </a:t>
+            </a:r>
+            <a:r>
+              <a:rPr lang="en-US" dirty="0" err="1" smtClean="0"/>
+              <a:t>musik</a:t>
+            </a:r>
+            <a:r>
+              <a:rPr lang="en-US" dirty="0" smtClean="0"/>
+              <a:t>, </a:t>
+            </a:r>
+            <a:r>
+              <a:rPr lang="en-US" dirty="0" err="1" smtClean="0"/>
+              <a:t>berbelanja</a:t>
+            </a:r>
+            <a:r>
+              <a:rPr lang="en-US" dirty="0" smtClean="0"/>
+              <a:t> online, </a:t>
+            </a:r>
+            <a:r>
+              <a:rPr lang="en-US" dirty="0" err="1" smtClean="0"/>
+              <a:t>mencari</a:t>
+            </a:r>
+            <a:r>
+              <a:rPr lang="en-US" dirty="0" smtClean="0"/>
+              <a:t> </a:t>
+            </a:r>
+            <a:r>
+              <a:rPr lang="en-US" dirty="0" err="1" smtClean="0"/>
+              <a:t>transportasi</a:t>
+            </a:r>
+            <a:r>
+              <a:rPr lang="en-US" dirty="0" smtClean="0"/>
+              <a:t>, </a:t>
+            </a:r>
+            <a:r>
+              <a:rPr lang="en-US" dirty="0" err="1" smtClean="0"/>
+              <a:t>sampai</a:t>
+            </a:r>
+            <a:r>
+              <a:rPr lang="en-US" dirty="0" smtClean="0"/>
+              <a:t> </a:t>
+            </a:r>
+            <a:r>
+              <a:rPr lang="en-US" dirty="0" err="1" smtClean="0"/>
+              <a:t>bermain</a:t>
+            </a:r>
+            <a:r>
+              <a:rPr lang="en-US" dirty="0" smtClean="0"/>
+              <a:t> game.</a:t>
+            </a:r>
+            <a:endParaRPr lang="en-ID" dirty="0" smtClean="0"/>
+          </a:p>
+        </p:txBody>
+      </p:sp>
       <p:pic>
         <p:nvPicPr>
-          <p:cNvPr id="5" name="Picture 4" descr="19199406.jpg"/>
+          <p:cNvPr id="4" name="Picture 3" descr="19199406.jpg"/>
           <p:cNvPicPr>
             <a:picLocks noChangeAspect="1"/>
           </p:cNvPicPr>
@@ -3486,134 +5577,151 @@
         </p:blipFill>
         <p:spPr>
           <a:xfrm>
-            <a:off x="2133600" y="533400"/>
-            <a:ext cx="4914832" cy="3277210"/>
+            <a:off x="2362200" y="3352800"/>
+            <a:ext cx="4342531" cy="2895600"/>
           </a:xfrm>
           <a:prstGeom prst="rect">
             <a:avLst/>
           </a:prstGeom>
         </p:spPr>
       </p:pic>
-      <p:grpSp>
-        <p:nvGrpSpPr>
-          <p:cNvPr id="11" name="Group 10"/>
-          <p:cNvGrpSpPr/>
+    </p:spTree>
+  </p:cSld>
+  <p:clrMapOvr>
+    <a:masterClrMapping/>
+  </p:clrMapOvr>
+  <p:timing>
+    <p:tnLst>
+      <p:par>
+        <p:cTn id="1" dur="indefinite" restart="never" nodeType="tmRoot"/>
+      </p:par>
+    </p:tnLst>
+  </p:timing>
+</p:sld>
+</file>
+
+<file path=ppt/slides/slide3.xml><?xml version="1.0" encoding="utf-8"?>
+<p:sld xmlns:a="http://schemas.openxmlformats.org/drawingml/2006/main" xmlns:r="http://schemas.openxmlformats.org/officeDocument/2006/relationships" xmlns:p="http://schemas.openxmlformats.org/presentationml/2006/main">
+  <p:cSld>
+    <p:spTree>
+      <p:nvGrpSpPr>
+        <p:cNvPr id="1" name=""/>
+        <p:cNvGrpSpPr/>
+        <p:nvPr/>
+      </p:nvGrpSpPr>
+      <p:grpSpPr>
+        <a:xfrm>
+          <a:off x="0" y="0"/>
+          <a:ext cx="0" cy="0"/>
+          <a:chOff x="0" y="0"/>
+          <a:chExt cx="0" cy="0"/>
+        </a:xfrm>
+      </p:grpSpPr>
+      <p:pic>
+        <p:nvPicPr>
+          <p:cNvPr id="7" name="Picture 6" descr="YouTube_social_white_square_(2017).svg.png"/>
+          <p:cNvPicPr>
+            <a:picLocks noChangeAspect="1"/>
+          </p:cNvPicPr>
           <p:nvPr/>
-        </p:nvGrpSpPr>
-        <p:grpSpPr>
+        </p:nvPicPr>
+        <p:blipFill>
+          <a:blip r:embed="rId2"/>
+          <a:stretch>
+            <a:fillRect/>
+          </a:stretch>
+        </p:blipFill>
+        <p:spPr>
           <a:xfrm>
-            <a:off x="718331" y="4876800"/>
-            <a:ext cx="7707339" cy="1295400"/>
-            <a:chOff x="457200" y="5105400"/>
-            <a:chExt cx="7707339" cy="1295400"/>
+            <a:off x="6096000" y="1409700"/>
+            <a:ext cx="1447800" cy="1447800"/>
           </a:xfrm>
-        </p:grpSpPr>
-        <p:pic>
-          <p:nvPicPr>
-            <p:cNvPr id="7" name="Picture 6" descr="YouTube_social_white_square_(2017).svg.png"/>
-            <p:cNvPicPr>
-              <a:picLocks noChangeAspect="1"/>
-            </p:cNvPicPr>
-            <p:nvPr/>
-          </p:nvPicPr>
-          <p:blipFill>
-            <a:blip r:embed="rId3"/>
-            <a:stretch>
-              <a:fillRect/>
-            </a:stretch>
-          </p:blipFill>
-          <p:spPr>
-            <a:xfrm>
-              <a:off x="2514600" y="5105400"/>
-              <a:ext cx="1295400" cy="1295400"/>
-            </a:xfrm>
-            <a:prstGeom prst="rect">
-              <a:avLst/>
-            </a:prstGeom>
-          </p:spPr>
-        </p:pic>
-        <p:pic>
-          <p:nvPicPr>
-            <p:cNvPr id="8" name="Picture 7" descr="Google_ G _Logo.svg.png"/>
-            <p:cNvPicPr>
-              <a:picLocks noChangeAspect="1"/>
-            </p:cNvPicPr>
-            <p:nvPr/>
-          </p:nvPicPr>
-          <p:blipFill>
-            <a:blip r:embed="rId4" cstate="print"/>
-            <a:stretch>
-              <a:fillRect/>
-            </a:stretch>
-          </p:blipFill>
-          <p:spPr>
-            <a:xfrm>
-              <a:off x="457200" y="5105400"/>
-              <a:ext cx="1269492" cy="1295400"/>
-            </a:xfrm>
-            <a:prstGeom prst="rect">
-              <a:avLst/>
-            </a:prstGeom>
-          </p:spPr>
-        </p:pic>
-        <p:pic>
-          <p:nvPicPr>
-            <p:cNvPr id="9" name="Picture 8" descr="Instagram_logo_2022.svg.png"/>
-            <p:cNvPicPr>
-              <a:picLocks noChangeAspect="1"/>
-            </p:cNvPicPr>
-            <p:nvPr/>
-          </p:nvPicPr>
-          <p:blipFill>
-            <a:blip r:embed="rId5" cstate="print"/>
-            <a:stretch>
-              <a:fillRect/>
-            </a:stretch>
-          </p:blipFill>
-          <p:spPr>
-            <a:xfrm>
-              <a:off x="4648200" y="5181600"/>
-              <a:ext cx="1143000" cy="1143000"/>
-            </a:xfrm>
-            <a:prstGeom prst="rect">
-              <a:avLst/>
-            </a:prstGeom>
-          </p:spPr>
-        </p:pic>
-        <p:pic>
-          <p:nvPicPr>
-            <p:cNvPr id="2051" name="Picture 3"/>
-            <p:cNvPicPr>
-              <a:picLocks noChangeAspect="1" noChangeArrowheads="1"/>
-            </p:cNvPicPr>
-            <p:nvPr/>
-          </p:nvPicPr>
-          <p:blipFill>
-            <a:blip r:embed="rId6"/>
-            <a:srcRect/>
-            <a:stretch>
-              <a:fillRect/>
-            </a:stretch>
-          </p:blipFill>
-          <p:spPr bwMode="auto">
-            <a:xfrm>
-              <a:off x="6705600" y="5105400"/>
-              <a:ext cx="1458939" cy="1295400"/>
-            </a:xfrm>
-            <a:prstGeom prst="rect">
-              <a:avLst/>
-            </a:prstGeom>
+          <a:prstGeom prst="rect">
+            <a:avLst/>
+          </a:prstGeom>
+        </p:spPr>
+      </p:pic>
+      <p:pic>
+        <p:nvPicPr>
+          <p:cNvPr id="8" name="Picture 7" descr="Google_ G _Logo.svg.png"/>
+          <p:cNvPicPr>
+            <a:picLocks noChangeAspect="1"/>
+          </p:cNvPicPr>
+          <p:nvPr/>
+        </p:nvPicPr>
+        <p:blipFill>
+          <a:blip r:embed="rId3" cstate="print"/>
+          <a:stretch>
+            <a:fillRect/>
+          </a:stretch>
+        </p:blipFill>
+        <p:spPr>
+          <a:xfrm>
+            <a:off x="1752600" y="1485900"/>
+            <a:ext cx="1269492" cy="1295400"/>
+          </a:xfrm>
+          <a:prstGeom prst="rect">
+            <a:avLst/>
+          </a:prstGeom>
+        </p:spPr>
+      </p:pic>
+      <p:pic>
+        <p:nvPicPr>
+          <p:cNvPr id="9" name="Picture 8" descr="Instagram_logo_2022.svg.png"/>
+          <p:cNvPicPr>
+            <a:picLocks noChangeAspect="1"/>
+          </p:cNvPicPr>
+          <p:nvPr/>
+        </p:nvPicPr>
+        <p:blipFill>
+          <a:blip r:embed="rId4" cstate="print"/>
+          <a:stretch>
+            <a:fillRect/>
+          </a:stretch>
+        </p:blipFill>
+        <p:spPr>
+          <a:xfrm>
+            <a:off x="1676400" y="4343400"/>
+            <a:ext cx="1752600" cy="1752600"/>
+          </a:xfrm>
+          <a:prstGeom prst="rect">
+            <a:avLst/>
+          </a:prstGeom>
+        </p:spPr>
+      </p:pic>
+      <p:pic>
+        <p:nvPicPr>
+          <p:cNvPr id="2051" name="Picture 3"/>
+          <p:cNvPicPr>
+            <a:picLocks noChangeAspect="1" noChangeArrowheads="1"/>
+          </p:cNvPicPr>
+          <p:nvPr/>
+        </p:nvPicPr>
+        <p:blipFill>
+          <a:blip r:embed="rId5"/>
+          <a:srcRect/>
+          <a:stretch>
+            <a:fillRect/>
+          </a:stretch>
+        </p:blipFill>
+        <p:spPr bwMode="auto">
+          <a:xfrm>
+            <a:off x="5715000" y="4343400"/>
+            <a:ext cx="1828800" cy="1623802"/>
+          </a:xfrm>
+          <a:prstGeom prst="rect">
+            <a:avLst/>
+          </a:prstGeom>
+          <a:noFill/>
+          <a:ln w="9525">
             <a:noFill/>
-            <a:ln w="9525">
-              <a:noFill/>
-              <a:miter lim="800000"/>
-              <a:headEnd/>
-              <a:tailEnd/>
-            </a:ln>
-            <a:effectLst/>
-          </p:spPr>
-        </p:pic>
-      </p:grpSp>
+            <a:miter lim="800000"/>
+            <a:headEnd/>
+            <a:tailEnd/>
+          </a:ln>
+          <a:effectLst/>
+        </p:spPr>
+      </p:pic>
       <p:sp>
         <p:nvSpPr>
           <p:cNvPr id="12" name="TextBox 11"/>
@@ -3622,8 +5730,8 @@
         </p:nvSpPr>
         <p:spPr>
           <a:xfrm>
-            <a:off x="381000" y="4343400"/>
-            <a:ext cx="2088072" cy="400110"/>
+            <a:off x="1371600" y="914400"/>
+            <a:ext cx="2462918" cy="461665"/>
           </a:xfrm>
           <a:prstGeom prst="rect">
             <a:avLst/>
@@ -3637,18 +5745,18 @@
           <a:lstStyle/>
           <a:p>
             <a:r>
-              <a:rPr lang="en-ID" sz="2000" dirty="0" err="1" smtClean="0"/>
+              <a:rPr lang="en-ID" sz="2400" dirty="0" err="1" smtClean="0"/>
               <a:t>Mencari</a:t>
             </a:r>
             <a:r>
-              <a:rPr lang="en-ID" sz="2000" dirty="0" smtClean="0"/>
-              <a:t> </a:t>
-            </a:r>
-            <a:r>
-              <a:rPr lang="en-ID" sz="2000" dirty="0" err="1" smtClean="0"/>
+              <a:rPr lang="en-ID" sz="2400" dirty="0" smtClean="0"/>
+              <a:t> </a:t>
+            </a:r>
+            <a:r>
+              <a:rPr lang="en-ID" sz="2400" dirty="0" err="1" smtClean="0"/>
               <a:t>Informasi</a:t>
             </a:r>
-            <a:endParaRPr lang="en-US" sz="2000" dirty="0"/>
+            <a:endParaRPr lang="en-US" sz="2400" dirty="0"/>
           </a:p>
         </p:txBody>
       </p:sp>
@@ -3660,8 +5768,8 @@
         </p:nvSpPr>
         <p:spPr>
           <a:xfrm>
-            <a:off x="2560194" y="4343400"/>
-            <a:ext cx="1707006" cy="400110"/>
+            <a:off x="5715000" y="914400"/>
+            <a:ext cx="2007922" cy="461665"/>
           </a:xfrm>
           <a:prstGeom prst="rect">
             <a:avLst/>
@@ -3675,14 +5783,14 @@
           <a:lstStyle/>
           <a:p>
             <a:r>
-              <a:rPr lang="en-ID" sz="2000" dirty="0" err="1" smtClean="0"/>
+              <a:rPr lang="en-ID" sz="2400" dirty="0" err="1" smtClean="0"/>
               <a:t>Mencari</a:t>
             </a:r>
             <a:r>
-              <a:rPr lang="en-ID" sz="2000" dirty="0" smtClean="0"/>
+              <a:rPr lang="en-ID" sz="2400" dirty="0" smtClean="0"/>
               <a:t> Video</a:t>
             </a:r>
-            <a:endParaRPr lang="en-US" sz="2000" dirty="0"/>
+            <a:endParaRPr lang="en-US" sz="2400" dirty="0"/>
           </a:p>
         </p:txBody>
       </p:sp>
@@ -3694,8 +5802,8 @@
         </p:nvSpPr>
         <p:spPr>
           <a:xfrm>
-            <a:off x="4675662" y="4343400"/>
-            <a:ext cx="1572738" cy="400110"/>
+            <a:off x="1676400" y="3733800"/>
+            <a:ext cx="1845185" cy="461665"/>
           </a:xfrm>
           <a:prstGeom prst="rect">
             <a:avLst/>
@@ -3709,18 +5817,18 @@
           <a:lstStyle/>
           <a:p>
             <a:r>
-              <a:rPr lang="en-ID" sz="2000" dirty="0" err="1" smtClean="0"/>
+              <a:rPr lang="en-ID" sz="2400" dirty="0" err="1" smtClean="0"/>
               <a:t>Mencari</a:t>
             </a:r>
             <a:r>
-              <a:rPr lang="en-ID" sz="2000" dirty="0" smtClean="0"/>
-              <a:t> </a:t>
-            </a:r>
-            <a:r>
-              <a:rPr lang="en-ID" sz="2000" dirty="0" err="1" smtClean="0"/>
+              <a:rPr lang="en-ID" sz="2400" dirty="0" smtClean="0"/>
+              <a:t> </a:t>
+            </a:r>
+            <a:r>
+              <a:rPr lang="en-ID" sz="2400" dirty="0" err="1" smtClean="0"/>
               <a:t>Foto</a:t>
             </a:r>
-            <a:endParaRPr lang="en-US" sz="2000" dirty="0"/>
+            <a:endParaRPr lang="en-US" sz="2400" dirty="0"/>
           </a:p>
         </p:txBody>
       </p:sp>
@@ -3732,8 +5840,8 @@
         </p:nvSpPr>
         <p:spPr>
           <a:xfrm>
-            <a:off x="6456162" y="4343400"/>
-            <a:ext cx="2535438" cy="400110"/>
+            <a:off x="5257800" y="3810000"/>
+            <a:ext cx="3000437" cy="461665"/>
           </a:xfrm>
           <a:prstGeom prst="rect">
             <a:avLst/>
@@ -3747,18 +5855,18 @@
           <a:lstStyle/>
           <a:p>
             <a:r>
-              <a:rPr lang="en-ID" sz="2000" dirty="0" err="1" smtClean="0"/>
+              <a:rPr lang="en-ID" sz="2400" dirty="0" err="1" smtClean="0"/>
               <a:t>Mencari</a:t>
             </a:r>
             <a:r>
-              <a:rPr lang="en-ID" sz="2000" dirty="0" smtClean="0"/>
+              <a:rPr lang="en-ID" sz="2400" dirty="0" smtClean="0"/>
               <a:t> Video </a:t>
             </a:r>
             <a:r>
-              <a:rPr lang="en-ID" sz="2000" dirty="0" err="1" smtClean="0"/>
+              <a:rPr lang="en-ID" sz="2400" dirty="0" err="1" smtClean="0"/>
               <a:t>Pendek</a:t>
             </a:r>
-            <a:endParaRPr lang="en-US" sz="2000" dirty="0"/>
+            <a:endParaRPr lang="en-US" sz="2400" dirty="0"/>
           </a:p>
         </p:txBody>
       </p:sp>
@@ -3767,10 +5875,17 @@
   <p:clrMapOvr>
     <a:masterClrMapping/>
   </p:clrMapOvr>
+  <p:timing>
+    <p:tnLst>
+      <p:par>
+        <p:cTn id="1" dur="indefinite" restart="never" nodeType="tmRoot"/>
+      </p:par>
+    </p:tnLst>
+  </p:timing>
 </p:sld>
 </file>
 
-<file path=ppt/slides/slide3.xml><?xml version="1.0" encoding="utf-8"?>
+<file path=ppt/slides/slide4.xml><?xml version="1.0" encoding="utf-8"?>
 <p:sld xmlns:a="http://schemas.openxmlformats.org/drawingml/2006/main" xmlns:r="http://schemas.openxmlformats.org/officeDocument/2006/relationships" xmlns:p="http://schemas.openxmlformats.org/presentationml/2006/main">
   <p:cSld>
     <p:spTree>
@@ -4012,197 +6127,13 @@
   <p:clrMapOvr>
     <a:masterClrMapping/>
   </p:clrMapOvr>
-</p:sld>
-</file>
-
-<file path=ppt/slides/slide4.xml><?xml version="1.0" encoding="utf-8"?>
-<p:sld xmlns:a="http://schemas.openxmlformats.org/drawingml/2006/main" xmlns:r="http://schemas.openxmlformats.org/officeDocument/2006/relationships" xmlns:p="http://schemas.openxmlformats.org/presentationml/2006/main">
-  <p:cSld>
-    <p:spTree>
-      <p:nvGrpSpPr>
-        <p:cNvPr id="1" name=""/>
-        <p:cNvGrpSpPr/>
-        <p:nvPr/>
-      </p:nvGrpSpPr>
-      <p:grpSpPr>
-        <a:xfrm>
-          <a:off x="0" y="0"/>
-          <a:ext cx="0" cy="0"/>
-          <a:chOff x="0" y="0"/>
-          <a:chExt cx="0" cy="0"/>
-        </a:xfrm>
-      </p:grpSpPr>
-      <p:sp>
-        <p:nvSpPr>
-          <p:cNvPr id="2" name="Title 1"/>
-          <p:cNvSpPr>
-            <a:spLocks noGrp="1"/>
-          </p:cNvSpPr>
-          <p:nvPr>
-            <p:ph type="title"/>
-          </p:nvPr>
-        </p:nvSpPr>
-        <p:spPr/>
-        <p:txBody>
-          <a:bodyPr/>
-          <a:lstStyle/>
-          <a:p>
-            <a:r>
-              <a:rPr lang="en-ID" dirty="0" err="1" smtClean="0"/>
-              <a:t>Pengertian</a:t>
-            </a:r>
-            <a:r>
-              <a:rPr lang="en-ID" dirty="0" smtClean="0"/>
-              <a:t> Browser</a:t>
-            </a:r>
-            <a:endParaRPr lang="en-US" dirty="0"/>
-          </a:p>
-        </p:txBody>
-      </p:sp>
-      <p:sp>
-        <p:nvSpPr>
-          <p:cNvPr id="3" name="Content Placeholder 2"/>
-          <p:cNvSpPr>
-            <a:spLocks noGrp="1"/>
-          </p:cNvSpPr>
-          <p:nvPr>
-            <p:ph idx="1"/>
-          </p:nvPr>
-        </p:nvSpPr>
-        <p:spPr/>
-        <p:txBody>
-          <a:bodyPr/>
-          <a:lstStyle/>
-          <a:p>
-            <a:pPr>
-              <a:buNone/>
-            </a:pPr>
-            <a:r>
-              <a:rPr lang="en-ID" dirty="0" smtClean="0"/>
-              <a:t>Browser </a:t>
-            </a:r>
-            <a:r>
-              <a:rPr lang="en-ID" dirty="0" err="1" smtClean="0"/>
-              <a:t>adalah</a:t>
-            </a:r>
-            <a:r>
-              <a:rPr lang="en-ID" dirty="0" smtClean="0"/>
-              <a:t> </a:t>
-            </a:r>
-            <a:r>
-              <a:rPr lang="en-ID" dirty="0" err="1" smtClean="0"/>
-              <a:t>a</a:t>
-            </a:r>
-            <a:r>
-              <a:rPr lang="en-ID" dirty="0" err="1" smtClean="0"/>
-              <a:t>plikasi</a:t>
-            </a:r>
-            <a:r>
-              <a:rPr lang="en-ID" dirty="0" smtClean="0"/>
-              <a:t> yang </a:t>
-            </a:r>
-            <a:r>
-              <a:rPr lang="en-ID" dirty="0" err="1" smtClean="0"/>
-              <a:t>digunakan</a:t>
-            </a:r>
-            <a:r>
-              <a:rPr lang="en-ID" dirty="0" smtClean="0"/>
-              <a:t> </a:t>
-            </a:r>
-            <a:r>
-              <a:rPr lang="en-ID" dirty="0" err="1" smtClean="0"/>
-              <a:t>untuk</a:t>
-            </a:r>
-            <a:endParaRPr lang="en-ID" dirty="0" smtClean="0"/>
-          </a:p>
-          <a:p>
-            <a:pPr>
-              <a:buNone/>
-            </a:pPr>
-            <a:r>
-              <a:rPr lang="en-ID" dirty="0" err="1" smtClean="0"/>
-              <a:t>m</a:t>
-            </a:r>
-            <a:r>
-              <a:rPr lang="en-ID" dirty="0" err="1" smtClean="0"/>
-              <a:t>enjelajahi</a:t>
-            </a:r>
-            <a:r>
-              <a:rPr lang="en-ID" dirty="0" smtClean="0"/>
-              <a:t> Internet.</a:t>
-            </a:r>
-          </a:p>
-          <a:p>
-            <a:pPr>
-              <a:buNone/>
-            </a:pPr>
-            <a:endParaRPr lang="en-ID" dirty="0" smtClean="0"/>
-          </a:p>
-          <a:p>
-            <a:pPr>
-              <a:buNone/>
-            </a:pPr>
-            <a:r>
-              <a:rPr lang="en-ID" dirty="0" smtClean="0"/>
-              <a:t>Browser </a:t>
-            </a:r>
-            <a:r>
-              <a:rPr lang="en-ID" dirty="0" err="1" smtClean="0"/>
-              <a:t>tersedia</a:t>
-            </a:r>
-            <a:r>
-              <a:rPr lang="en-ID" dirty="0" smtClean="0"/>
-              <a:t> </a:t>
-            </a:r>
-            <a:r>
-              <a:rPr lang="en-ID" dirty="0" err="1" smtClean="0"/>
-              <a:t>pada</a:t>
-            </a:r>
-            <a:r>
-              <a:rPr lang="en-ID" dirty="0" smtClean="0"/>
-              <a:t> </a:t>
-            </a:r>
-            <a:r>
-              <a:rPr lang="en-ID" dirty="0" err="1" smtClean="0"/>
-              <a:t>perangkat</a:t>
-            </a:r>
-            <a:r>
-              <a:rPr lang="en-ID" dirty="0" smtClean="0"/>
-              <a:t> </a:t>
-            </a:r>
-            <a:r>
-              <a:rPr lang="en-ID" dirty="0" err="1" smtClean="0"/>
-              <a:t>komputer</a:t>
-            </a:r>
-            <a:r>
-              <a:rPr lang="en-ID" dirty="0" smtClean="0"/>
-              <a:t> /</a:t>
-            </a:r>
-          </a:p>
-          <a:p>
-            <a:pPr>
-              <a:buNone/>
-            </a:pPr>
-            <a:r>
-              <a:rPr lang="en-ID" dirty="0" err="1" smtClean="0"/>
-              <a:t>s</a:t>
-            </a:r>
-            <a:r>
-              <a:rPr lang="en-ID" dirty="0" err="1" smtClean="0"/>
-              <a:t>martphone</a:t>
-            </a:r>
-            <a:r>
-              <a:rPr lang="en-ID" dirty="0" smtClean="0"/>
-              <a:t>.</a:t>
-            </a:r>
-          </a:p>
-        </p:txBody>
-      </p:sp>
-    </p:spTree>
-  </p:cSld>
-  <p:clrMapOvr>
-    <a:masterClrMapping/>
-  </p:clrMapOvr>
+  <p:timing>
+    <p:tnLst>
+      <p:par>
+        <p:cTn id="1" dur="indefinite" restart="never" nodeType="tmRoot"/>
+      </p:par>
+    </p:tnLst>
+  </p:timing>
 </p:sld>
 </file>
 
@@ -4225,55 +6156,418 @@
       </p:grpSpPr>
       <p:sp>
         <p:nvSpPr>
-          <p:cNvPr id="2" name="Title 1"/>
-          <p:cNvSpPr>
-            <a:spLocks noGrp="1"/>
-          </p:cNvSpPr>
-          <p:nvPr>
-            <p:ph type="title"/>
-          </p:nvPr>
-        </p:nvSpPr>
-        <p:spPr/>
+          <p:cNvPr id="3" name="Content Placeholder 2"/>
+          <p:cNvSpPr>
+            <a:spLocks noGrp="1"/>
+          </p:cNvSpPr>
+          <p:nvPr>
+            <p:ph idx="1"/>
+          </p:nvPr>
+        </p:nvSpPr>
+        <p:spPr>
+          <a:xfrm>
+            <a:off x="457200" y="3124200"/>
+            <a:ext cx="8229600" cy="3124200"/>
+          </a:xfrm>
+        </p:spPr>
         <p:txBody>
           <a:bodyPr/>
           <a:lstStyle/>
           <a:p>
-            <a:r>
-              <a:rPr lang="en-ID" dirty="0" err="1" smtClean="0"/>
-              <a:t>Bagian-Bagian</a:t>
-            </a:r>
-            <a:r>
-              <a:rPr lang="en-ID" dirty="0" smtClean="0"/>
-              <a:t> Browser</a:t>
-            </a:r>
-            <a:endParaRPr lang="en-US" dirty="0"/>
-          </a:p>
-        </p:txBody>
-      </p:sp>
-      <p:sp>
-        <p:nvSpPr>
-          <p:cNvPr id="3" name="Content Placeholder 2"/>
-          <p:cNvSpPr>
-            <a:spLocks noGrp="1"/>
-          </p:cNvSpPr>
-          <p:nvPr>
-            <p:ph idx="1"/>
-          </p:nvPr>
-        </p:nvSpPr>
-        <p:spPr/>
-        <p:txBody>
-          <a:bodyPr/>
-          <a:lstStyle/>
-          <a:p>
-            <a:endParaRPr lang="en-US"/>
-          </a:p>
-        </p:txBody>
-      </p:sp>
+            <a:pPr>
+              <a:buNone/>
+            </a:pPr>
+            <a:r>
+              <a:rPr lang="en-ID" dirty="0" smtClean="0"/>
+              <a:t>	</a:t>
+            </a:r>
+            <a:r>
+              <a:rPr lang="en-ID" dirty="0" err="1" smtClean="0"/>
+              <a:t>Untuk</a:t>
+            </a:r>
+            <a:r>
+              <a:rPr lang="en-ID" dirty="0" smtClean="0"/>
+              <a:t> </a:t>
+            </a:r>
+            <a:r>
+              <a:rPr lang="en-ID" dirty="0" err="1" smtClean="0"/>
+              <a:t>mengakses</a:t>
+            </a:r>
+            <a:r>
+              <a:rPr lang="en-ID" dirty="0" smtClean="0"/>
+              <a:t> </a:t>
+            </a:r>
+            <a:r>
+              <a:rPr lang="en-ID" dirty="0" err="1" smtClean="0"/>
+              <a:t>aplikasi</a:t>
+            </a:r>
+            <a:r>
+              <a:rPr lang="en-ID" dirty="0" smtClean="0"/>
+              <a:t> </a:t>
+            </a:r>
+            <a:r>
+              <a:rPr lang="en-ID" dirty="0" err="1" smtClean="0"/>
+              <a:t>tersebut</a:t>
+            </a:r>
+            <a:r>
+              <a:rPr lang="en-ID" dirty="0" smtClean="0"/>
+              <a:t> </a:t>
+            </a:r>
+            <a:r>
+              <a:rPr lang="en-ID" dirty="0" err="1" smtClean="0"/>
+              <a:t>di</a:t>
+            </a:r>
+            <a:r>
+              <a:rPr lang="en-ID" dirty="0" smtClean="0"/>
+              <a:t> </a:t>
+            </a:r>
+            <a:r>
+              <a:rPr lang="en-ID" dirty="0" err="1" smtClean="0"/>
+              <a:t>smartphone</a:t>
+            </a:r>
+            <a:r>
+              <a:rPr lang="en-ID" dirty="0" smtClean="0"/>
+              <a:t> </a:t>
+            </a:r>
+            <a:r>
+              <a:rPr lang="en-ID" dirty="0" err="1" smtClean="0"/>
+              <a:t>kita</a:t>
+            </a:r>
+            <a:r>
+              <a:rPr lang="en-ID" dirty="0" smtClean="0"/>
+              <a:t> </a:t>
+            </a:r>
+            <a:r>
+              <a:rPr lang="en-ID" dirty="0" err="1" smtClean="0"/>
+              <a:t>perlu</a:t>
+            </a:r>
+            <a:r>
+              <a:rPr lang="en-ID" dirty="0" smtClean="0"/>
+              <a:t> </a:t>
+            </a:r>
+            <a:r>
+              <a:rPr lang="en-ID" dirty="0" err="1" smtClean="0"/>
+              <a:t>aplikasi</a:t>
+            </a:r>
+            <a:r>
+              <a:rPr lang="en-ID" dirty="0" smtClean="0"/>
+              <a:t> </a:t>
+            </a:r>
+            <a:r>
+              <a:rPr lang="en-ID" dirty="0" err="1" smtClean="0"/>
+              <a:t>playstore</a:t>
+            </a:r>
+            <a:endParaRPr lang="en-US" b="1" u="sng" dirty="0"/>
+          </a:p>
+        </p:txBody>
+      </p:sp>
+      <p:grpSp>
+        <p:nvGrpSpPr>
+          <p:cNvPr id="21" name="Group 20"/>
+          <p:cNvGrpSpPr/>
+          <p:nvPr/>
+        </p:nvGrpSpPr>
+        <p:grpSpPr>
+          <a:xfrm>
+            <a:off x="1524000" y="838200"/>
+            <a:ext cx="6676292" cy="1735137"/>
+            <a:chOff x="1524000" y="838200"/>
+            <a:chExt cx="6676292" cy="1735137"/>
+          </a:xfrm>
+        </p:grpSpPr>
+        <p:pic>
+          <p:nvPicPr>
+            <p:cNvPr id="1026" name="Picture 2"/>
+            <p:cNvPicPr>
+              <a:picLocks noChangeAspect="1" noChangeArrowheads="1"/>
+            </p:cNvPicPr>
+            <p:nvPr/>
+          </p:nvPicPr>
+          <p:blipFill>
+            <a:blip r:embed="rId2"/>
+            <a:srcRect/>
+            <a:stretch>
+              <a:fillRect/>
+            </a:stretch>
+          </p:blipFill>
+          <p:spPr bwMode="auto">
+            <a:xfrm>
+              <a:off x="1524000" y="838200"/>
+              <a:ext cx="1063952" cy="1735137"/>
+            </a:xfrm>
+            <a:prstGeom prst="rect">
+              <a:avLst/>
+            </a:prstGeom>
+            <a:noFill/>
+            <a:ln w="9525">
+              <a:noFill/>
+              <a:miter lim="800000"/>
+              <a:headEnd/>
+              <a:tailEnd/>
+            </a:ln>
+            <a:effectLst/>
+          </p:spPr>
+        </p:pic>
+        <p:pic>
+          <p:nvPicPr>
+            <p:cNvPr id="1027" name="Picture 3"/>
+            <p:cNvPicPr>
+              <a:picLocks noChangeAspect="1" noChangeArrowheads="1"/>
+            </p:cNvPicPr>
+            <p:nvPr/>
+          </p:nvPicPr>
+          <p:blipFill>
+            <a:blip r:embed="rId3"/>
+            <a:srcRect/>
+            <a:stretch>
+              <a:fillRect/>
+            </a:stretch>
+          </p:blipFill>
+          <p:spPr bwMode="auto">
+            <a:xfrm>
+              <a:off x="3810000" y="1219200"/>
+              <a:ext cx="1178011" cy="1066800"/>
+            </a:xfrm>
+            <a:prstGeom prst="rect">
+              <a:avLst/>
+            </a:prstGeom>
+            <a:noFill/>
+            <a:ln w="9525">
+              <a:noFill/>
+              <a:miter lim="800000"/>
+              <a:headEnd/>
+              <a:tailEnd/>
+            </a:ln>
+            <a:effectLst/>
+          </p:spPr>
+        </p:pic>
+        <p:grpSp>
+          <p:nvGrpSpPr>
+            <p:cNvPr id="7" name="Group 11"/>
+            <p:cNvGrpSpPr/>
+            <p:nvPr/>
+          </p:nvGrpSpPr>
+          <p:grpSpPr>
+            <a:xfrm>
+              <a:off x="5791200" y="1295400"/>
+              <a:ext cx="1524000" cy="1066800"/>
+              <a:chOff x="3962400" y="1981200"/>
+              <a:chExt cx="1524000" cy="1066800"/>
+            </a:xfrm>
+          </p:grpSpPr>
+          <p:pic>
+            <p:nvPicPr>
+              <p:cNvPr id="13" name="Picture 12" descr="Google_ G _Logo.svg.png"/>
+              <p:cNvPicPr>
+                <a:picLocks noChangeAspect="1"/>
+              </p:cNvPicPr>
+              <p:nvPr/>
+            </p:nvPicPr>
+            <p:blipFill>
+              <a:blip r:embed="rId4" cstate="print"/>
+              <a:stretch>
+                <a:fillRect/>
+              </a:stretch>
+            </p:blipFill>
+            <p:spPr>
+              <a:xfrm>
+                <a:off x="3962400" y="1981200"/>
+                <a:ext cx="672084" cy="685800"/>
+              </a:xfrm>
+              <a:prstGeom prst="rect">
+                <a:avLst/>
+              </a:prstGeom>
+            </p:spPr>
+          </p:pic>
+          <p:pic>
+            <p:nvPicPr>
+              <p:cNvPr id="14" name="Picture 13" descr="YouTube_social_white_square_(2017).svg.png"/>
+              <p:cNvPicPr>
+                <a:picLocks noChangeAspect="1"/>
+              </p:cNvPicPr>
+              <p:nvPr/>
+            </p:nvPicPr>
+            <p:blipFill>
+              <a:blip r:embed="rId5"/>
+              <a:stretch>
+                <a:fillRect/>
+              </a:stretch>
+            </p:blipFill>
+            <p:spPr>
+              <a:xfrm>
+                <a:off x="4648200" y="1981200"/>
+                <a:ext cx="533400" cy="533400"/>
+              </a:xfrm>
+              <a:prstGeom prst="rect">
+                <a:avLst/>
+              </a:prstGeom>
+            </p:spPr>
+          </p:pic>
+          <p:pic>
+            <p:nvPicPr>
+              <p:cNvPr id="15" name="Picture 14" descr="Instagram_logo_2022.svg.png"/>
+              <p:cNvPicPr>
+                <a:picLocks noChangeAspect="1"/>
+              </p:cNvPicPr>
+              <p:nvPr/>
+            </p:nvPicPr>
+            <p:blipFill>
+              <a:blip r:embed="rId6" cstate="print"/>
+              <a:stretch>
+                <a:fillRect/>
+              </a:stretch>
+            </p:blipFill>
+            <p:spPr>
+              <a:xfrm>
+                <a:off x="4419600" y="2514600"/>
+                <a:ext cx="533400" cy="533400"/>
+              </a:xfrm>
+              <a:prstGeom prst="rect">
+                <a:avLst/>
+              </a:prstGeom>
+            </p:spPr>
+          </p:pic>
+          <p:pic>
+            <p:nvPicPr>
+              <p:cNvPr id="16" name="Picture 3"/>
+              <p:cNvPicPr>
+                <a:picLocks noChangeAspect="1" noChangeArrowheads="1"/>
+              </p:cNvPicPr>
+              <p:nvPr/>
+            </p:nvPicPr>
+            <p:blipFill>
+              <a:blip r:embed="rId7" cstate="print"/>
+              <a:srcRect/>
+              <a:stretch>
+                <a:fillRect/>
+              </a:stretch>
+            </p:blipFill>
+            <p:spPr bwMode="auto">
+              <a:xfrm>
+                <a:off x="4876800" y="2438400"/>
+                <a:ext cx="609600" cy="541267"/>
+              </a:xfrm>
+              <a:prstGeom prst="rect">
+                <a:avLst/>
+              </a:prstGeom>
+              <a:noFill/>
+              <a:ln w="9525">
+                <a:noFill/>
+                <a:miter lim="800000"/>
+                <a:headEnd/>
+                <a:tailEnd/>
+              </a:ln>
+              <a:effectLst/>
+            </p:spPr>
+          </p:pic>
+        </p:grpSp>
+        <p:pic>
+          <p:nvPicPr>
+            <p:cNvPr id="9" name="Picture 2" descr="Promo 17 Agustus, Tokopedia dan Shopee Beri Cashback hingga 100% -  E-commerce Katadata.co.id"/>
+            <p:cNvPicPr>
+              <a:picLocks noChangeAspect="1" noChangeArrowheads="1"/>
+            </p:cNvPicPr>
+            <p:nvPr/>
+          </p:nvPicPr>
+          <p:blipFill>
+            <a:blip r:embed="rId8" cstate="print"/>
+            <a:srcRect/>
+            <a:stretch>
+              <a:fillRect/>
+            </a:stretch>
+          </p:blipFill>
+          <p:spPr bwMode="auto">
+            <a:xfrm>
+              <a:off x="7086600" y="1143000"/>
+              <a:ext cx="1113692" cy="742462"/>
+            </a:xfrm>
+            <a:prstGeom prst="rect">
+              <a:avLst/>
+            </a:prstGeom>
+            <a:noFill/>
+          </p:spPr>
+        </p:pic>
+        <p:cxnSp>
+          <p:nvCxnSpPr>
+            <p:cNvPr id="18" name="Straight Arrow Connector 17"/>
+            <p:cNvCxnSpPr/>
+            <p:nvPr/>
+          </p:nvCxnSpPr>
+          <p:spPr>
+            <a:xfrm>
+              <a:off x="2895600" y="1752600"/>
+              <a:ext cx="685800" cy="1588"/>
+            </a:xfrm>
+            <a:prstGeom prst="straightConnector1">
+              <a:avLst/>
+            </a:prstGeom>
+            <a:ln w="38100">
+              <a:headEnd type="arrow"/>
+              <a:tailEnd type="arrow"/>
+            </a:ln>
+          </p:spPr>
+          <p:style>
+            <a:lnRef idx="1">
+              <a:schemeClr val="accent2"/>
+            </a:lnRef>
+            <a:fillRef idx="0">
+              <a:schemeClr val="accent2"/>
+            </a:fillRef>
+            <a:effectRef idx="0">
+              <a:schemeClr val="accent2"/>
+            </a:effectRef>
+            <a:fontRef idx="minor">
+              <a:schemeClr val="tx1"/>
+            </a:fontRef>
+          </p:style>
+        </p:cxnSp>
+        <p:cxnSp>
+          <p:nvCxnSpPr>
+            <p:cNvPr id="19" name="Straight Arrow Connector 18"/>
+            <p:cNvCxnSpPr/>
+            <p:nvPr/>
+          </p:nvCxnSpPr>
+          <p:spPr>
+            <a:xfrm>
+              <a:off x="5029200" y="1752600"/>
+              <a:ext cx="685800" cy="1588"/>
+            </a:xfrm>
+            <a:prstGeom prst="straightConnector1">
+              <a:avLst/>
+            </a:prstGeom>
+            <a:ln w="38100">
+              <a:headEnd type="arrow"/>
+              <a:tailEnd type="arrow"/>
+            </a:ln>
+          </p:spPr>
+          <p:style>
+            <a:lnRef idx="1">
+              <a:schemeClr val="accent2"/>
+            </a:lnRef>
+            <a:fillRef idx="0">
+              <a:schemeClr val="accent2"/>
+            </a:fillRef>
+            <a:effectRef idx="0">
+              <a:schemeClr val="accent2"/>
+            </a:effectRef>
+            <a:fontRef idx="minor">
+              <a:schemeClr val="tx1"/>
+            </a:fontRef>
+          </p:style>
+        </p:cxnSp>
+      </p:grpSp>
     </p:spTree>
   </p:cSld>
   <p:clrMapOvr>
     <a:masterClrMapping/>
   </p:clrMapOvr>
+  <p:timing>
+    <p:tnLst>
+      <p:par>
+        <p:cTn id="1" dur="indefinite" restart="never" nodeType="tmRoot"/>
+      </p:par>
+    </p:tnLst>
+  </p:timing>
 </p:sld>
 </file>
 
@@ -4296,47 +6590,430 @@
       </p:grpSpPr>
       <p:sp>
         <p:nvSpPr>
-          <p:cNvPr id="2" name="Title 1"/>
-          <p:cNvSpPr>
-            <a:spLocks noGrp="1"/>
-          </p:cNvSpPr>
-          <p:nvPr>
-            <p:ph type="title"/>
-          </p:nvPr>
-        </p:nvSpPr>
-        <p:spPr/>
+          <p:cNvPr id="3" name="Content Placeholder 2"/>
+          <p:cNvSpPr>
+            <a:spLocks noGrp="1"/>
+          </p:cNvSpPr>
+          <p:nvPr>
+            <p:ph idx="1"/>
+          </p:nvPr>
+        </p:nvSpPr>
+        <p:spPr>
+          <a:xfrm>
+            <a:off x="457200" y="3124200"/>
+            <a:ext cx="8229600" cy="3124200"/>
+          </a:xfrm>
+        </p:spPr>
         <p:txBody>
           <a:bodyPr/>
           <a:lstStyle/>
           <a:p>
-            <a:r>
-              <a:rPr lang="en-ID" dirty="0" err="1" smtClean="0"/>
-              <a:t>Contoh-Contoh</a:t>
-            </a:r>
-            <a:r>
-              <a:rPr lang="en-ID" dirty="0" smtClean="0"/>
-              <a:t> Browser</a:t>
-            </a:r>
-            <a:endParaRPr lang="en-US" dirty="0"/>
-          </a:p>
-        </p:txBody>
-      </p:sp>
-      <p:sp>
-        <p:nvSpPr>
-          <p:cNvPr id="3" name="Content Placeholder 2"/>
-          <p:cNvSpPr>
-            <a:spLocks noGrp="1"/>
-          </p:cNvSpPr>
-          <p:nvPr>
-            <p:ph idx="1"/>
-          </p:nvPr>
-        </p:nvSpPr>
-        <p:spPr/>
-        <p:txBody>
-          <a:bodyPr/>
+            <a:pPr>
+              <a:buNone/>
+            </a:pPr>
+            <a:r>
+              <a:rPr lang="en-ID" dirty="0" smtClean="0"/>
+              <a:t>	</a:t>
+            </a:r>
+            <a:r>
+              <a:rPr lang="en-ID" dirty="0" err="1" smtClean="0"/>
+              <a:t>S</a:t>
+            </a:r>
+            <a:r>
+              <a:rPr lang="en-ID" dirty="0" err="1" smtClean="0"/>
+              <a:t>edangkan</a:t>
+            </a:r>
+            <a:r>
+              <a:rPr lang="en-ID" dirty="0" smtClean="0"/>
+              <a:t> </a:t>
+            </a:r>
+            <a:r>
+              <a:rPr lang="en-ID" dirty="0" err="1" smtClean="0"/>
+              <a:t>untuk</a:t>
+            </a:r>
+            <a:r>
+              <a:rPr lang="en-ID" dirty="0" smtClean="0"/>
+              <a:t> </a:t>
+            </a:r>
+            <a:r>
+              <a:rPr lang="en-ID" dirty="0" err="1" smtClean="0"/>
+              <a:t>mengakses</a:t>
+            </a:r>
+            <a:r>
+              <a:rPr lang="en-ID" dirty="0" smtClean="0"/>
+              <a:t> </a:t>
+            </a:r>
+            <a:r>
+              <a:rPr lang="en-ID" dirty="0" err="1" smtClean="0"/>
+              <a:t>aplikasi</a:t>
+            </a:r>
+            <a:r>
+              <a:rPr lang="en-ID" dirty="0" smtClean="0"/>
+              <a:t> </a:t>
+            </a:r>
+            <a:r>
+              <a:rPr lang="en-ID" dirty="0" err="1" smtClean="0"/>
+              <a:t>tersebut</a:t>
+            </a:r>
+            <a:r>
+              <a:rPr lang="en-ID" dirty="0" smtClean="0"/>
+              <a:t> </a:t>
+            </a:r>
+            <a:r>
+              <a:rPr lang="en-ID" dirty="0" err="1" smtClean="0"/>
+              <a:t>di</a:t>
+            </a:r>
+            <a:r>
+              <a:rPr lang="en-ID" dirty="0" smtClean="0"/>
+              <a:t> </a:t>
+            </a:r>
+            <a:r>
+              <a:rPr lang="en-ID" dirty="0" err="1" smtClean="0"/>
+              <a:t>komputer</a:t>
+            </a:r>
+            <a:r>
+              <a:rPr lang="en-ID" dirty="0" smtClean="0"/>
+              <a:t> </a:t>
+            </a:r>
+            <a:r>
+              <a:rPr lang="en-ID" dirty="0" err="1" smtClean="0"/>
+              <a:t>kita</a:t>
+            </a:r>
+            <a:r>
+              <a:rPr lang="en-ID" dirty="0" smtClean="0"/>
+              <a:t> </a:t>
+            </a:r>
+            <a:r>
+              <a:rPr lang="en-ID" dirty="0" err="1" smtClean="0"/>
+              <a:t>perlu</a:t>
+            </a:r>
+            <a:r>
+              <a:rPr lang="en-ID" dirty="0" smtClean="0"/>
+              <a:t> </a:t>
+            </a:r>
+            <a:r>
+              <a:rPr lang="en-ID" dirty="0" err="1" smtClean="0"/>
+              <a:t>namanya</a:t>
+            </a:r>
+            <a:r>
+              <a:rPr lang="en-ID" dirty="0" smtClean="0"/>
+              <a:t> </a:t>
+            </a:r>
+            <a:r>
+              <a:rPr lang="en-ID" b="1" u="sng" dirty="0" smtClean="0"/>
+              <a:t>browser</a:t>
+            </a:r>
+            <a:endParaRPr lang="en-US" b="1" u="sng" dirty="0"/>
+          </a:p>
+        </p:txBody>
+      </p:sp>
+      <p:grpSp>
+        <p:nvGrpSpPr>
+          <p:cNvPr id="24" name="Group 11"/>
+          <p:cNvGrpSpPr/>
+          <p:nvPr/>
+        </p:nvGrpSpPr>
+        <p:grpSpPr>
+          <a:xfrm>
+            <a:off x="5791200" y="1295400"/>
+            <a:ext cx="1524000" cy="1066800"/>
+            <a:chOff x="3962400" y="1981200"/>
+            <a:chExt cx="1524000" cy="1066800"/>
+          </a:xfrm>
+        </p:grpSpPr>
+        <p:pic>
+          <p:nvPicPr>
+            <p:cNvPr id="28" name="Picture 27" descr="Google_ G _Logo.svg.png"/>
+            <p:cNvPicPr>
+              <a:picLocks noChangeAspect="1"/>
+            </p:cNvPicPr>
+            <p:nvPr/>
+          </p:nvPicPr>
+          <p:blipFill>
+            <a:blip r:embed="rId2" cstate="print"/>
+            <a:stretch>
+              <a:fillRect/>
+            </a:stretch>
+          </p:blipFill>
+          <p:spPr>
+            <a:xfrm>
+              <a:off x="3962400" y="1981200"/>
+              <a:ext cx="672084" cy="685800"/>
+            </a:xfrm>
+            <a:prstGeom prst="rect">
+              <a:avLst/>
+            </a:prstGeom>
+          </p:spPr>
+        </p:pic>
+        <p:pic>
+          <p:nvPicPr>
+            <p:cNvPr id="29" name="Picture 28" descr="YouTube_social_white_square_(2017).svg.png"/>
+            <p:cNvPicPr>
+              <a:picLocks noChangeAspect="1"/>
+            </p:cNvPicPr>
+            <p:nvPr/>
+          </p:nvPicPr>
+          <p:blipFill>
+            <a:blip r:embed="rId3"/>
+            <a:stretch>
+              <a:fillRect/>
+            </a:stretch>
+          </p:blipFill>
+          <p:spPr>
+            <a:xfrm>
+              <a:off x="4648200" y="1981200"/>
+              <a:ext cx="533400" cy="533400"/>
+            </a:xfrm>
+            <a:prstGeom prst="rect">
+              <a:avLst/>
+            </a:prstGeom>
+          </p:spPr>
+        </p:pic>
+        <p:pic>
+          <p:nvPicPr>
+            <p:cNvPr id="30" name="Picture 29" descr="Instagram_logo_2022.svg.png"/>
+            <p:cNvPicPr>
+              <a:picLocks noChangeAspect="1"/>
+            </p:cNvPicPr>
+            <p:nvPr/>
+          </p:nvPicPr>
+          <p:blipFill>
+            <a:blip r:embed="rId4" cstate="print"/>
+            <a:stretch>
+              <a:fillRect/>
+            </a:stretch>
+          </p:blipFill>
+          <p:spPr>
+            <a:xfrm>
+              <a:off x="4419600" y="2514600"/>
+              <a:ext cx="533400" cy="533400"/>
+            </a:xfrm>
+            <a:prstGeom prst="rect">
+              <a:avLst/>
+            </a:prstGeom>
+          </p:spPr>
+        </p:pic>
+        <p:pic>
+          <p:nvPicPr>
+            <p:cNvPr id="31" name="Picture 3"/>
+            <p:cNvPicPr>
+              <a:picLocks noChangeAspect="1" noChangeArrowheads="1"/>
+            </p:cNvPicPr>
+            <p:nvPr/>
+          </p:nvPicPr>
+          <p:blipFill>
+            <a:blip r:embed="rId5" cstate="print"/>
+            <a:srcRect/>
+            <a:stretch>
+              <a:fillRect/>
+            </a:stretch>
+          </p:blipFill>
+          <p:spPr bwMode="auto">
+            <a:xfrm>
+              <a:off x="4876800" y="2438400"/>
+              <a:ext cx="609600" cy="541267"/>
+            </a:xfrm>
+            <a:prstGeom prst="rect">
+              <a:avLst/>
+            </a:prstGeom>
+            <a:noFill/>
+            <a:ln w="9525">
+              <a:noFill/>
+              <a:miter lim="800000"/>
+              <a:headEnd/>
+              <a:tailEnd/>
+            </a:ln>
+            <a:effectLst/>
+          </p:spPr>
+        </p:pic>
+      </p:grpSp>
+      <p:pic>
+        <p:nvPicPr>
+          <p:cNvPr id="25" name="Picture 2" descr="Promo 17 Agustus, Tokopedia dan Shopee Beri Cashback hingga 100% -  E-commerce Katadata.co.id"/>
+          <p:cNvPicPr>
+            <a:picLocks noChangeAspect="1" noChangeArrowheads="1"/>
+          </p:cNvPicPr>
+          <p:nvPr/>
+        </p:nvPicPr>
+        <p:blipFill>
+          <a:blip r:embed="rId6" cstate="print"/>
+          <a:srcRect/>
+          <a:stretch>
+            <a:fillRect/>
+          </a:stretch>
+        </p:blipFill>
+        <p:spPr bwMode="auto">
+          <a:xfrm>
+            <a:off x="7086600" y="1143000"/>
+            <a:ext cx="1113692" cy="742462"/>
+          </a:xfrm>
+          <a:prstGeom prst="rect">
+            <a:avLst/>
+          </a:prstGeom>
+          <a:noFill/>
+        </p:spPr>
+      </p:pic>
+      <p:cxnSp>
+        <p:nvCxnSpPr>
+          <p:cNvPr id="26" name="Straight Arrow Connector 25"/>
+          <p:cNvCxnSpPr/>
+          <p:nvPr/>
+        </p:nvCxnSpPr>
+        <p:spPr>
+          <a:xfrm>
+            <a:off x="2895600" y="1752600"/>
+            <a:ext cx="685800" cy="1588"/>
+          </a:xfrm>
+          <a:prstGeom prst="straightConnector1">
+            <a:avLst/>
+          </a:prstGeom>
+          <a:ln w="38100">
+            <a:headEnd type="arrow"/>
+            <a:tailEnd type="arrow"/>
+          </a:ln>
+        </p:spPr>
+        <p:style>
+          <a:lnRef idx="1">
+            <a:schemeClr val="accent2"/>
+          </a:lnRef>
+          <a:fillRef idx="0">
+            <a:schemeClr val="accent2"/>
+          </a:fillRef>
+          <a:effectRef idx="0">
+            <a:schemeClr val="accent2"/>
+          </a:effectRef>
+          <a:fontRef idx="minor">
+            <a:schemeClr val="tx1"/>
+          </a:fontRef>
+        </p:style>
+      </p:cxnSp>
+      <p:cxnSp>
+        <p:nvCxnSpPr>
+          <p:cNvPr id="27" name="Straight Arrow Connector 26"/>
+          <p:cNvCxnSpPr/>
+          <p:nvPr/>
+        </p:nvCxnSpPr>
+        <p:spPr>
+          <a:xfrm>
+            <a:off x="5029200" y="1752600"/>
+            <a:ext cx="685800" cy="1588"/>
+          </a:xfrm>
+          <a:prstGeom prst="straightConnector1">
+            <a:avLst/>
+          </a:prstGeom>
+          <a:ln w="38100">
+            <a:headEnd type="arrow"/>
+            <a:tailEnd type="arrow"/>
+          </a:ln>
+        </p:spPr>
+        <p:style>
+          <a:lnRef idx="1">
+            <a:schemeClr val="accent2"/>
+          </a:lnRef>
+          <a:fillRef idx="0">
+            <a:schemeClr val="accent2"/>
+          </a:fillRef>
+          <a:effectRef idx="0">
+            <a:schemeClr val="accent2"/>
+          </a:effectRef>
+          <a:fontRef idx="minor">
+            <a:schemeClr val="tx1"/>
+          </a:fontRef>
+        </p:style>
+      </p:cxnSp>
+      <p:pic>
+        <p:nvPicPr>
+          <p:cNvPr id="2050" name="Picture 2"/>
+          <p:cNvPicPr>
+            <a:picLocks noChangeAspect="1" noChangeArrowheads="1"/>
+          </p:cNvPicPr>
+          <p:nvPr/>
+        </p:nvPicPr>
+        <p:blipFill>
+          <a:blip r:embed="rId7"/>
+          <a:srcRect/>
+          <a:stretch>
+            <a:fillRect/>
+          </a:stretch>
+        </p:blipFill>
+        <p:spPr bwMode="auto">
+          <a:xfrm>
+            <a:off x="1143000" y="1066800"/>
+            <a:ext cx="1462029" cy="1487487"/>
+          </a:xfrm>
+          <a:prstGeom prst="rect">
+            <a:avLst/>
+          </a:prstGeom>
+          <a:noFill/>
+          <a:ln w="9525">
+            <a:noFill/>
+            <a:miter lim="800000"/>
+            <a:headEnd/>
+            <a:tailEnd/>
+          </a:ln>
+          <a:effectLst/>
+        </p:spPr>
+      </p:pic>
+      <p:pic>
+        <p:nvPicPr>
+          <p:cNvPr id="2051" name="Picture 3"/>
+          <p:cNvPicPr>
+            <a:picLocks noChangeAspect="1" noChangeArrowheads="1"/>
+          </p:cNvPicPr>
+          <p:nvPr/>
+        </p:nvPicPr>
+        <p:blipFill>
+          <a:blip r:embed="rId8" cstate="print"/>
+          <a:srcRect/>
+          <a:stretch>
+            <a:fillRect/>
+          </a:stretch>
+        </p:blipFill>
+        <p:spPr bwMode="auto">
+          <a:xfrm>
+            <a:off x="3657600" y="1219200"/>
+            <a:ext cx="1251035" cy="1211262"/>
+          </a:xfrm>
+          <a:prstGeom prst="rect">
+            <a:avLst/>
+          </a:prstGeom>
+          <a:noFill/>
+          <a:ln w="9525">
+            <a:noFill/>
+            <a:miter lim="800000"/>
+            <a:headEnd/>
+            <a:tailEnd/>
+          </a:ln>
+          <a:effectLst/>
+        </p:spPr>
+      </p:pic>
+      <p:sp>
+        <p:nvSpPr>
+          <p:cNvPr id="34" name="TextBox 33"/>
+          <p:cNvSpPr txBox="1"/>
+          <p:nvPr/>
+        </p:nvSpPr>
+        <p:spPr>
+          <a:xfrm>
+            <a:off x="3733800" y="762000"/>
+            <a:ext cx="1154675" cy="369332"/>
+          </a:xfrm>
+          <a:prstGeom prst="rect">
+            <a:avLst/>
+          </a:prstGeom>
+          <a:noFill/>
+        </p:spPr>
+        <p:txBody>
+          <a:bodyPr wrap="none" rtlCol="0">
+            <a:spAutoFit/>
+          </a:bodyPr>
           <a:lstStyle/>
           <a:p>
-            <a:endParaRPr lang="en-US"/>
+            <a:r>
+              <a:rPr lang="en-ID" b="1" dirty="0" smtClean="0"/>
+              <a:t>BROWSER</a:t>
+            </a:r>
+            <a:endParaRPr lang="en-US" b="1" dirty="0"/>
           </a:p>
         </p:txBody>
       </p:sp>
@@ -4345,6 +7022,13 @@
   <p:clrMapOvr>
     <a:masterClrMapping/>
   </p:clrMapOvr>
+  <p:timing>
+    <p:tnLst>
+      <p:par>
+        <p:cTn id="1" dur="indefinite" restart="never" nodeType="tmRoot"/>
+      </p:par>
+    </p:tnLst>
+  </p:timing>
 </p:sld>
 </file>
 
@@ -4382,11 +7066,11 @@
           <a:p>
             <a:r>
               <a:rPr lang="en-ID" dirty="0" err="1" smtClean="0"/>
-              <a:t>Alamat</a:t>
-            </a:r>
-            <a:r>
-              <a:rPr lang="en-ID" dirty="0" smtClean="0"/>
-              <a:t> Domain (Web)</a:t>
+              <a:t>Pengertian</a:t>
+            </a:r>
+            <a:r>
+              <a:rPr lang="en-ID" dirty="0" smtClean="0"/>
+              <a:t> Browser</a:t>
             </a:r>
             <a:endParaRPr lang="en-US" dirty="0"/>
           </a:p>
@@ -4407,7 +7091,188 @@
           <a:bodyPr/>
           <a:lstStyle/>
           <a:p>
-            <a:endParaRPr lang="en-US"/>
+            <a:pPr>
+              <a:buNone/>
+            </a:pPr>
+            <a:r>
+              <a:rPr lang="en-ID" dirty="0" smtClean="0"/>
+              <a:t>	Browser </a:t>
+            </a:r>
+            <a:r>
+              <a:rPr lang="en-ID" dirty="0" err="1" smtClean="0"/>
+              <a:t>adalah</a:t>
+            </a:r>
+            <a:r>
+              <a:rPr lang="en-ID" dirty="0" smtClean="0"/>
+              <a:t> </a:t>
+            </a:r>
+            <a:r>
+              <a:rPr lang="en-ID" dirty="0" err="1" smtClean="0"/>
+              <a:t>aplikasi</a:t>
+            </a:r>
+            <a:r>
+              <a:rPr lang="en-ID" dirty="0" smtClean="0"/>
+              <a:t> yang </a:t>
+            </a:r>
+            <a:r>
+              <a:rPr lang="en-ID" dirty="0" err="1" smtClean="0"/>
+              <a:t>digunakan</a:t>
+            </a:r>
+            <a:r>
+              <a:rPr lang="en-ID" dirty="0" smtClean="0"/>
+              <a:t> </a:t>
+            </a:r>
+            <a:r>
+              <a:rPr lang="en-ID" dirty="0" err="1" smtClean="0"/>
+              <a:t>untuk</a:t>
+            </a:r>
+            <a:r>
+              <a:rPr lang="en-ID" dirty="0" smtClean="0"/>
+              <a:t> </a:t>
+            </a:r>
+            <a:r>
+              <a:rPr lang="en-ID" dirty="0" err="1" smtClean="0"/>
+              <a:t>menjelajahi</a:t>
+            </a:r>
+            <a:r>
+              <a:rPr lang="en-ID" dirty="0" smtClean="0"/>
+              <a:t> </a:t>
+            </a:r>
+            <a:r>
+              <a:rPr lang="en-ID" dirty="0" err="1" smtClean="0"/>
+              <a:t>jaringan</a:t>
+            </a:r>
+            <a:r>
+              <a:rPr lang="en-ID" dirty="0" smtClean="0"/>
+              <a:t> i</a:t>
+            </a:r>
+            <a:r>
+              <a:rPr lang="en-ID" dirty="0" smtClean="0"/>
+              <a:t>nternet</a:t>
+            </a:r>
+            <a:r>
+              <a:rPr lang="en-ID" dirty="0" smtClean="0"/>
+              <a:t> </a:t>
+            </a:r>
+            <a:r>
+              <a:rPr lang="en-ID" dirty="0" err="1" smtClean="0"/>
+              <a:t>dari</a:t>
+            </a:r>
+            <a:r>
+              <a:rPr lang="en-ID" dirty="0" smtClean="0"/>
+              <a:t> </a:t>
+            </a:r>
+            <a:r>
+              <a:rPr lang="en-ID" dirty="0" err="1" smtClean="0"/>
+              <a:t>sosial</a:t>
+            </a:r>
+            <a:r>
+              <a:rPr lang="en-ID" dirty="0" smtClean="0"/>
+              <a:t> media, blog, video, </a:t>
+            </a:r>
+            <a:r>
+              <a:rPr lang="en-ID" dirty="0" err="1" smtClean="0"/>
+              <a:t>toko</a:t>
+            </a:r>
+            <a:r>
+              <a:rPr lang="en-ID" dirty="0" smtClean="0"/>
+              <a:t> online </a:t>
+            </a:r>
+            <a:r>
+              <a:rPr lang="en-ID" dirty="0" err="1" smtClean="0"/>
+              <a:t>dan</a:t>
+            </a:r>
+            <a:r>
+              <a:rPr lang="en-ID" dirty="0" smtClean="0"/>
+              <a:t> </a:t>
+            </a:r>
+            <a:r>
+              <a:rPr lang="en-ID" dirty="0" err="1" smtClean="0"/>
+              <a:t>masih</a:t>
+            </a:r>
+            <a:r>
+              <a:rPr lang="en-ID" dirty="0" smtClean="0"/>
+              <a:t> </a:t>
+            </a:r>
+            <a:r>
+              <a:rPr lang="en-ID" dirty="0" err="1" smtClean="0"/>
+              <a:t>banyak</a:t>
+            </a:r>
+            <a:r>
+              <a:rPr lang="en-ID" dirty="0" smtClean="0"/>
+              <a:t> </a:t>
+            </a:r>
+            <a:r>
+              <a:rPr lang="en-ID" dirty="0" err="1" smtClean="0"/>
+              <a:t>lagi</a:t>
+            </a:r>
+            <a:r>
+              <a:rPr lang="en-ID" dirty="0" smtClean="0"/>
+              <a:t>.</a:t>
+            </a:r>
+          </a:p>
+          <a:p>
+            <a:pPr>
+              <a:buNone/>
+            </a:pPr>
+            <a:endParaRPr lang="en-ID" dirty="0" smtClean="0"/>
+          </a:p>
+          <a:p>
+            <a:pPr>
+              <a:buNone/>
+            </a:pPr>
+            <a:r>
+              <a:rPr lang="en-ID" dirty="0" smtClean="0"/>
+              <a:t>	</a:t>
+            </a:r>
+            <a:r>
+              <a:rPr lang="en-ID" dirty="0" err="1" smtClean="0"/>
+              <a:t>Secara</a:t>
+            </a:r>
+            <a:r>
+              <a:rPr lang="en-ID" dirty="0" smtClean="0"/>
+              <a:t> </a:t>
+            </a:r>
+            <a:r>
+              <a:rPr lang="en-ID" dirty="0" err="1" smtClean="0"/>
+              <a:t>singkatnya</a:t>
+            </a:r>
+            <a:r>
+              <a:rPr lang="en-ID" dirty="0" smtClean="0"/>
+              <a:t> browser </a:t>
+            </a:r>
+            <a:r>
+              <a:rPr lang="en-ID" dirty="0" err="1" smtClean="0"/>
+              <a:t>adalah</a:t>
+            </a:r>
+            <a:r>
+              <a:rPr lang="en-ID" dirty="0" smtClean="0"/>
+              <a:t> </a:t>
+            </a:r>
+            <a:r>
+              <a:rPr lang="en-ID" dirty="0" err="1" smtClean="0"/>
+              <a:t>aplikasi</a:t>
+            </a:r>
+            <a:r>
+              <a:rPr lang="en-ID" dirty="0" smtClean="0"/>
+              <a:t> </a:t>
+            </a:r>
+            <a:r>
+              <a:rPr lang="en-ID" dirty="0" err="1" smtClean="0"/>
+              <a:t>untuk</a:t>
+            </a:r>
+            <a:r>
+              <a:rPr lang="en-ID" dirty="0" smtClean="0"/>
+              <a:t> </a:t>
+            </a:r>
+            <a:r>
+              <a:rPr lang="en-ID" dirty="0" err="1" smtClean="0"/>
+              <a:t>menjelajahi</a:t>
+            </a:r>
+            <a:r>
+              <a:rPr lang="en-ID" dirty="0" smtClean="0"/>
+              <a:t> internet.</a:t>
+            </a:r>
           </a:p>
         </p:txBody>
       </p:sp>
@@ -4416,6 +7281,338 @@
   <p:clrMapOvr>
     <a:masterClrMapping/>
   </p:clrMapOvr>
+  <p:timing>
+    <p:tnLst>
+      <p:par>
+        <p:cTn id="1" dur="indefinite" restart="never" nodeType="tmRoot"/>
+      </p:par>
+    </p:tnLst>
+  </p:timing>
+</p:sld>
+</file>
+
+<file path=ppt/slides/slide8.xml><?xml version="1.0" encoding="utf-8"?>
+<p:sld xmlns:a="http://schemas.openxmlformats.org/drawingml/2006/main" xmlns:r="http://schemas.openxmlformats.org/officeDocument/2006/relationships" xmlns:p="http://schemas.openxmlformats.org/presentationml/2006/main">
+  <p:cSld>
+    <p:spTree>
+      <p:nvGrpSpPr>
+        <p:cNvPr id="1" name=""/>
+        <p:cNvGrpSpPr/>
+        <p:nvPr/>
+      </p:nvGrpSpPr>
+      <p:grpSpPr>
+        <a:xfrm>
+          <a:off x="0" y="0"/>
+          <a:ext cx="0" cy="0"/>
+          <a:chOff x="0" y="0"/>
+          <a:chExt cx="0" cy="0"/>
+        </a:xfrm>
+      </p:grpSpPr>
+      <p:sp>
+        <p:nvSpPr>
+          <p:cNvPr id="2" name="Title 1"/>
+          <p:cNvSpPr>
+            <a:spLocks noGrp="1"/>
+          </p:cNvSpPr>
+          <p:nvPr>
+            <p:ph type="title"/>
+          </p:nvPr>
+        </p:nvSpPr>
+        <p:spPr/>
+        <p:txBody>
+          <a:bodyPr/>
+          <a:lstStyle/>
+          <a:p>
+            <a:r>
+              <a:rPr lang="en-ID" dirty="0" err="1" smtClean="0"/>
+              <a:t>Contoh-Contoh</a:t>
+            </a:r>
+            <a:r>
+              <a:rPr lang="en-ID" dirty="0" smtClean="0"/>
+              <a:t> Browser</a:t>
+            </a:r>
+            <a:endParaRPr lang="en-US" dirty="0"/>
+          </a:p>
+        </p:txBody>
+      </p:sp>
+      <p:sp>
+        <p:nvSpPr>
+          <p:cNvPr id="3" name="Content Placeholder 2"/>
+          <p:cNvSpPr>
+            <a:spLocks noGrp="1"/>
+          </p:cNvSpPr>
+          <p:nvPr>
+            <p:ph idx="1"/>
+          </p:nvPr>
+        </p:nvSpPr>
+        <p:spPr/>
+        <p:txBody>
+          <a:bodyPr/>
+          <a:lstStyle/>
+          <a:p>
+            <a:r>
+              <a:rPr lang="en-ID" dirty="0" smtClean="0"/>
+              <a:t>Google Chrome</a:t>
+            </a:r>
+          </a:p>
+          <a:p>
+            <a:r>
+              <a:rPr lang="en-ID" dirty="0" smtClean="0"/>
+              <a:t>Mozilla Firefox</a:t>
+            </a:r>
+          </a:p>
+          <a:p>
+            <a:r>
+              <a:rPr lang="en-ID" dirty="0" smtClean="0"/>
+              <a:t>Safari</a:t>
+            </a:r>
+          </a:p>
+          <a:p>
+            <a:r>
+              <a:rPr lang="en-ID" dirty="0" smtClean="0"/>
+              <a:t>Opera Mini</a:t>
+            </a:r>
+          </a:p>
+          <a:p>
+            <a:r>
+              <a:rPr lang="en-ID" dirty="0" err="1" smtClean="0"/>
+              <a:t>Dll</a:t>
+            </a:r>
+            <a:endParaRPr lang="en-US" dirty="0"/>
+          </a:p>
+        </p:txBody>
+      </p:sp>
+      <p:pic>
+        <p:nvPicPr>
+          <p:cNvPr id="4" name="Picture 3"/>
+          <p:cNvPicPr>
+            <a:picLocks noChangeAspect="1" noChangeArrowheads="1"/>
+          </p:cNvPicPr>
+          <p:nvPr/>
+        </p:nvPicPr>
+        <p:blipFill>
+          <a:blip r:embed="rId2" cstate="print"/>
+          <a:srcRect/>
+          <a:stretch>
+            <a:fillRect/>
+          </a:stretch>
+        </p:blipFill>
+        <p:spPr bwMode="auto">
+          <a:xfrm>
+            <a:off x="5181600" y="1600200"/>
+            <a:ext cx="990600" cy="959107"/>
+          </a:xfrm>
+          <a:prstGeom prst="rect">
+            <a:avLst/>
+          </a:prstGeom>
+          <a:noFill/>
+          <a:ln w="9525">
+            <a:noFill/>
+            <a:miter lim="800000"/>
+            <a:headEnd/>
+            <a:tailEnd/>
+          </a:ln>
+          <a:effectLst/>
+        </p:spPr>
+      </p:pic>
+      <p:pic>
+        <p:nvPicPr>
+          <p:cNvPr id="4098" name="Picture 2"/>
+          <p:cNvPicPr>
+            <a:picLocks noChangeAspect="1" noChangeArrowheads="1"/>
+          </p:cNvPicPr>
+          <p:nvPr/>
+        </p:nvPicPr>
+        <p:blipFill>
+          <a:blip r:embed="rId3" cstate="print"/>
+          <a:srcRect/>
+          <a:stretch>
+            <a:fillRect/>
+          </a:stretch>
+        </p:blipFill>
+        <p:spPr bwMode="auto">
+          <a:xfrm>
+            <a:off x="6553200" y="2286000"/>
+            <a:ext cx="1306210" cy="1295400"/>
+          </a:xfrm>
+          <a:prstGeom prst="rect">
+            <a:avLst/>
+          </a:prstGeom>
+          <a:noFill/>
+          <a:ln w="9525">
+            <a:noFill/>
+            <a:miter lim="800000"/>
+            <a:headEnd/>
+            <a:tailEnd/>
+          </a:ln>
+          <a:effectLst/>
+        </p:spPr>
+      </p:pic>
+      <p:pic>
+        <p:nvPicPr>
+          <p:cNvPr id="6" name="Picture 5" descr="Safari_browser_logo.svg.png"/>
+          <p:cNvPicPr>
+            <a:picLocks noChangeAspect="1"/>
+          </p:cNvPicPr>
+          <p:nvPr/>
+        </p:nvPicPr>
+        <p:blipFill>
+          <a:blip r:embed="rId4" cstate="print"/>
+          <a:stretch>
+            <a:fillRect/>
+          </a:stretch>
+        </p:blipFill>
+        <p:spPr>
+          <a:xfrm>
+            <a:off x="4495800" y="3200400"/>
+            <a:ext cx="1219200" cy="1213866"/>
+          </a:xfrm>
+          <a:prstGeom prst="rect">
+            <a:avLst/>
+          </a:prstGeom>
+        </p:spPr>
+      </p:pic>
+      <p:pic>
+        <p:nvPicPr>
+          <p:cNvPr id="4099" name="Picture 3"/>
+          <p:cNvPicPr>
+            <a:picLocks noChangeAspect="1" noChangeArrowheads="1"/>
+          </p:cNvPicPr>
+          <p:nvPr/>
+        </p:nvPicPr>
+        <p:blipFill>
+          <a:blip r:embed="rId5"/>
+          <a:srcRect/>
+          <a:stretch>
+            <a:fillRect/>
+          </a:stretch>
+        </p:blipFill>
+        <p:spPr bwMode="auto">
+          <a:xfrm>
+            <a:off x="5334000" y="4572000"/>
+            <a:ext cx="2943952" cy="1762125"/>
+          </a:xfrm>
+          <a:prstGeom prst="rect">
+            <a:avLst/>
+          </a:prstGeom>
+          <a:noFill/>
+          <a:ln w="9525">
+            <a:noFill/>
+            <a:miter lim="800000"/>
+            <a:headEnd/>
+            <a:tailEnd/>
+          </a:ln>
+          <a:effectLst/>
+        </p:spPr>
+      </p:pic>
+    </p:spTree>
+  </p:cSld>
+  <p:clrMapOvr>
+    <a:masterClrMapping/>
+  </p:clrMapOvr>
+  <p:timing>
+    <p:tnLst>
+      <p:par>
+        <p:cTn id="1" dur="indefinite" restart="never" nodeType="tmRoot"/>
+      </p:par>
+    </p:tnLst>
+  </p:timing>
+</p:sld>
+</file>
+
+<file path=ppt/slides/slide9.xml><?xml version="1.0" encoding="utf-8"?>
+<p:sld xmlns:a="http://schemas.openxmlformats.org/drawingml/2006/main" xmlns:r="http://schemas.openxmlformats.org/officeDocument/2006/relationships" xmlns:p="http://schemas.openxmlformats.org/presentationml/2006/main">
+  <p:cSld>
+    <p:spTree>
+      <p:nvGrpSpPr>
+        <p:cNvPr id="1" name=""/>
+        <p:cNvGrpSpPr/>
+        <p:nvPr/>
+      </p:nvGrpSpPr>
+      <p:grpSpPr>
+        <a:xfrm>
+          <a:off x="0" y="0"/>
+          <a:ext cx="0" cy="0"/>
+          <a:chOff x="0" y="0"/>
+          <a:chExt cx="0" cy="0"/>
+        </a:xfrm>
+      </p:grpSpPr>
+      <p:sp>
+        <p:nvSpPr>
+          <p:cNvPr id="2" name="Title 1"/>
+          <p:cNvSpPr>
+            <a:spLocks noGrp="1"/>
+          </p:cNvSpPr>
+          <p:nvPr>
+            <p:ph type="title"/>
+          </p:nvPr>
+        </p:nvSpPr>
+        <p:spPr/>
+        <p:txBody>
+          <a:bodyPr/>
+          <a:lstStyle/>
+          <a:p>
+            <a:r>
+              <a:rPr lang="en-ID" dirty="0" err="1" smtClean="0"/>
+              <a:t>Tampilan</a:t>
+            </a:r>
+            <a:r>
+              <a:rPr lang="en-ID" dirty="0" smtClean="0"/>
+              <a:t> </a:t>
+            </a:r>
+            <a:r>
+              <a:rPr lang="en-ID" dirty="0" smtClean="0"/>
+              <a:t>Browser</a:t>
+            </a:r>
+            <a:endParaRPr lang="en-US" dirty="0"/>
+          </a:p>
+        </p:txBody>
+      </p:sp>
+      <p:pic>
+        <p:nvPicPr>
+          <p:cNvPr id="3075" name="Picture 3"/>
+          <p:cNvPicPr>
+            <a:picLocks noChangeAspect="1" noChangeArrowheads="1"/>
+          </p:cNvPicPr>
+          <p:nvPr/>
+        </p:nvPicPr>
+        <p:blipFill>
+          <a:blip r:embed="rId2"/>
+          <a:srcRect b="6667"/>
+          <a:stretch>
+            <a:fillRect/>
+          </a:stretch>
+        </p:blipFill>
+        <p:spPr bwMode="auto">
+          <a:xfrm>
+            <a:off x="457200" y="1752600"/>
+            <a:ext cx="8277183" cy="4343400"/>
+          </a:xfrm>
+          <a:prstGeom prst="rect">
+            <a:avLst/>
+          </a:prstGeom>
+          <a:noFill/>
+          <a:ln w="9525">
+            <a:noFill/>
+            <a:miter lim="800000"/>
+            <a:headEnd/>
+            <a:tailEnd/>
+          </a:ln>
+          <a:effectLst/>
+        </p:spPr>
+      </p:pic>
+    </p:spTree>
+  </p:cSld>
+  <p:clrMapOvr>
+    <a:masterClrMapping/>
+  </p:clrMapOvr>
+  <p:timing>
+    <p:tnLst>
+      <p:par>
+        <p:cTn id="1" dur="indefinite" restart="never" nodeType="tmRoot"/>
+      </p:par>
+    </p:tnLst>
+  </p:timing>
 </p:sld>
 </file>
 
